--- a/pics/2021-11-26-signed_rank/pics.pptx
+++ b/pics/2021-11-26-signed_rank/pics.pptx
@@ -6,7 +6,8 @@
   </p:sldMasterIdLst>
   <p:sldIdLst>
     <p:sldId id="256" r:id="rId2"/>
-    <p:sldId id="257" r:id="rId3"/>
+    <p:sldId id="258" r:id="rId3"/>
+    <p:sldId id="257" r:id="rId4"/>
   </p:sldIdLst>
   <p:sldSz cx="9144000" cy="6858000" type="screen4x3"/>
   <p:notesSz cx="6858000" cy="9144000"/>
@@ -289,7 +290,7 @@
           <a:p>
             <a:fld id="{D21E51CB-147E-4D6C-88BD-6FFAAA29E6C0}" type="datetimeFigureOut">
               <a:rPr lang="ko-KR" altLang="en-US" smtClean="0"/>
-              <a:t>2021-11-26</a:t>
+              <a:t>2021-11-30</a:t>
             </a:fld>
             <a:endParaRPr lang="ko-KR" altLang="en-US"/>
           </a:p>
@@ -459,7 +460,7 @@
           <a:p>
             <a:fld id="{D21E51CB-147E-4D6C-88BD-6FFAAA29E6C0}" type="datetimeFigureOut">
               <a:rPr lang="ko-KR" altLang="en-US" smtClean="0"/>
-              <a:t>2021-11-26</a:t>
+              <a:t>2021-11-30</a:t>
             </a:fld>
             <a:endParaRPr lang="ko-KR" altLang="en-US"/>
           </a:p>
@@ -639,7 +640,7 @@
           <a:p>
             <a:fld id="{D21E51CB-147E-4D6C-88BD-6FFAAA29E6C0}" type="datetimeFigureOut">
               <a:rPr lang="ko-KR" altLang="en-US" smtClean="0"/>
-              <a:t>2021-11-26</a:t>
+              <a:t>2021-11-30</a:t>
             </a:fld>
             <a:endParaRPr lang="ko-KR" altLang="en-US"/>
           </a:p>
@@ -809,7 +810,7 @@
           <a:p>
             <a:fld id="{D21E51CB-147E-4D6C-88BD-6FFAAA29E6C0}" type="datetimeFigureOut">
               <a:rPr lang="ko-KR" altLang="en-US" smtClean="0"/>
-              <a:t>2021-11-26</a:t>
+              <a:t>2021-11-30</a:t>
             </a:fld>
             <a:endParaRPr lang="ko-KR" altLang="en-US"/>
           </a:p>
@@ -1055,7 +1056,7 @@
           <a:p>
             <a:fld id="{D21E51CB-147E-4D6C-88BD-6FFAAA29E6C0}" type="datetimeFigureOut">
               <a:rPr lang="ko-KR" altLang="en-US" smtClean="0"/>
-              <a:t>2021-11-26</a:t>
+              <a:t>2021-11-30</a:t>
             </a:fld>
             <a:endParaRPr lang="ko-KR" altLang="en-US"/>
           </a:p>
@@ -1343,7 +1344,7 @@
           <a:p>
             <a:fld id="{D21E51CB-147E-4D6C-88BD-6FFAAA29E6C0}" type="datetimeFigureOut">
               <a:rPr lang="ko-KR" altLang="en-US" smtClean="0"/>
-              <a:t>2021-11-26</a:t>
+              <a:t>2021-11-30</a:t>
             </a:fld>
             <a:endParaRPr lang="ko-KR" altLang="en-US"/>
           </a:p>
@@ -1765,7 +1766,7 @@
           <a:p>
             <a:fld id="{D21E51CB-147E-4D6C-88BD-6FFAAA29E6C0}" type="datetimeFigureOut">
               <a:rPr lang="ko-KR" altLang="en-US" smtClean="0"/>
-              <a:t>2021-11-26</a:t>
+              <a:t>2021-11-30</a:t>
             </a:fld>
             <a:endParaRPr lang="ko-KR" altLang="en-US"/>
           </a:p>
@@ -1883,7 +1884,7 @@
           <a:p>
             <a:fld id="{D21E51CB-147E-4D6C-88BD-6FFAAA29E6C0}" type="datetimeFigureOut">
               <a:rPr lang="ko-KR" altLang="en-US" smtClean="0"/>
-              <a:t>2021-11-26</a:t>
+              <a:t>2021-11-30</a:t>
             </a:fld>
             <a:endParaRPr lang="ko-KR" altLang="en-US"/>
           </a:p>
@@ -1978,7 +1979,7 @@
           <a:p>
             <a:fld id="{D21E51CB-147E-4D6C-88BD-6FFAAA29E6C0}" type="datetimeFigureOut">
               <a:rPr lang="ko-KR" altLang="en-US" smtClean="0"/>
-              <a:t>2021-11-26</a:t>
+              <a:t>2021-11-30</a:t>
             </a:fld>
             <a:endParaRPr lang="ko-KR" altLang="en-US"/>
           </a:p>
@@ -2255,7 +2256,7 @@
           <a:p>
             <a:fld id="{D21E51CB-147E-4D6C-88BD-6FFAAA29E6C0}" type="datetimeFigureOut">
               <a:rPr lang="ko-KR" altLang="en-US" smtClean="0"/>
-              <a:t>2021-11-26</a:t>
+              <a:t>2021-11-30</a:t>
             </a:fld>
             <a:endParaRPr lang="ko-KR" altLang="en-US"/>
           </a:p>
@@ -2508,7 +2509,7 @@
           <a:p>
             <a:fld id="{D21E51CB-147E-4D6C-88BD-6FFAAA29E6C0}" type="datetimeFigureOut">
               <a:rPr lang="ko-KR" altLang="en-US" smtClean="0"/>
-              <a:t>2021-11-26</a:t>
+              <a:t>2021-11-30</a:t>
             </a:fld>
             <a:endParaRPr lang="ko-KR" altLang="en-US"/>
           </a:p>
@@ -2721,7 +2722,7 @@
           <a:p>
             <a:fld id="{D21E51CB-147E-4D6C-88BD-6FFAAA29E6C0}" type="datetimeFigureOut">
               <a:rPr lang="ko-KR" altLang="en-US" smtClean="0"/>
-              <a:t>2021-11-26</a:t>
+              <a:t>2021-11-30</a:t>
             </a:fld>
             <a:endParaRPr lang="ko-KR" altLang="en-US"/>
           </a:p>
@@ -3192,6 +3193,100 @@
       </p:grpSpPr>
       <p:pic>
         <p:nvPicPr>
+          <p:cNvPr id="2" name="Picture 2"/>
+          <p:cNvPicPr>
+            <a:picLocks noChangeAspect="1" noChangeArrowheads="1"/>
+          </p:cNvPicPr>
+          <p:nvPr/>
+        </p:nvPicPr>
+        <p:blipFill>
+          <a:blip r:embed="rId2">
+            <a:extLst>
+              <a:ext uri="{28A0092B-C50C-407E-A947-70E740481C1C}">
+                <a14:useLocalDpi xmlns:a14="http://schemas.microsoft.com/office/drawing/2010/main" val="0"/>
+              </a:ext>
+            </a:extLst>
+          </a:blip>
+          <a:srcRect/>
+          <a:stretch>
+            <a:fillRect/>
+          </a:stretch>
+        </p:blipFill>
+        <p:spPr bwMode="auto">
+          <a:xfrm>
+            <a:off x="-185738" y="1433513"/>
+            <a:ext cx="9515476" cy="3990975"/>
+          </a:xfrm>
+          <a:prstGeom prst="rect">
+            <a:avLst/>
+          </a:prstGeom>
+          <a:noFill/>
+          <a:ln>
+            <a:noFill/>
+          </a:ln>
+          <a:effectLst/>
+          <a:extLst>
+            <a:ext uri="{909E8E84-426E-40DD-AFC4-6F175D3DCCD1}">
+              <a14:hiddenFill xmlns:a14="http://schemas.microsoft.com/office/drawing/2010/main">
+                <a:solidFill>
+                  <a:schemeClr val="accent1"/>
+                </a:solidFill>
+              </a14:hiddenFill>
+            </a:ext>
+            <a:ext uri="{91240B29-F687-4F45-9708-019B960494DF}">
+              <a14:hiddenLine xmlns:a14="http://schemas.microsoft.com/office/drawing/2010/main" w="9525">
+                <a:solidFill>
+                  <a:schemeClr val="tx1"/>
+                </a:solidFill>
+                <a:miter lim="800000"/>
+                <a:headEnd/>
+                <a:tailEnd/>
+              </a14:hiddenLine>
+            </a:ext>
+            <a:ext uri="{AF507438-7753-43E0-B8FC-AC1667EBCBE1}">
+              <a14:hiddenEffects xmlns:a14="http://schemas.microsoft.com/office/drawing/2010/main">
+                <a:effectLst>
+                  <a:outerShdw dist="35921" dir="2700000" algn="ctr" rotWithShape="0">
+                    <a:schemeClr val="bg2"/>
+                  </a:outerShdw>
+                </a:effectLst>
+              </a14:hiddenEffects>
+            </a:ext>
+          </a:extLst>
+        </p:spPr>
+      </p:pic>
+    </p:spTree>
+    <p:extLst>
+      <p:ext uri="{BB962C8B-B14F-4D97-AF65-F5344CB8AC3E}">
+        <p14:creationId xmlns:p14="http://schemas.microsoft.com/office/powerpoint/2010/main" val="2488257945"/>
+      </p:ext>
+    </p:extLst>
+  </p:cSld>
+  <p:clrMapOvr>
+    <a:masterClrMapping/>
+  </p:clrMapOvr>
+</p:sld>
+</file>
+
+<file path=ppt/slides/slide3.xml><?xml version="1.0" encoding="utf-8"?>
+<p:sld xmlns:a="http://schemas.openxmlformats.org/drawingml/2006/main" xmlns:r="http://schemas.openxmlformats.org/officeDocument/2006/relationships" xmlns:p="http://schemas.openxmlformats.org/presentationml/2006/main">
+  <p:cSld>
+    <p:spTree>
+      <p:nvGrpSpPr>
+        <p:cNvPr id="1" name=""/>
+        <p:cNvGrpSpPr/>
+        <p:nvPr/>
+      </p:nvGrpSpPr>
+      <p:grpSpPr>
+        <a:xfrm>
+          <a:off x="0" y="0"/>
+          <a:ext cx="0" cy="0"/>
+          <a:chOff x="0" y="0"/>
+          <a:chExt cx="0" cy="0"/>
+        </a:xfrm>
+      </p:grpSpPr>
+      <p:pic>
+        <p:nvPicPr>
           <p:cNvPr id="2049" name="Picture 1"/>
           <p:cNvPicPr>
             <a:picLocks noChangeAspect="1" noChangeArrowheads="1"/>

--- a/pics/2021-11-26-signed_rank/pics.pptx
+++ b/pics/2021-11-26-signed_rank/pics.pptx
@@ -6,8 +6,9 @@
   </p:sldMasterIdLst>
   <p:sldIdLst>
     <p:sldId id="256" r:id="rId2"/>
-    <p:sldId id="258" r:id="rId3"/>
-    <p:sldId id="257" r:id="rId4"/>
+    <p:sldId id="257" r:id="rId3"/>
+    <p:sldId id="258" r:id="rId4"/>
+    <p:sldId id="259" r:id="rId5"/>
   </p:sldIdLst>
   <p:sldSz cx="9144000" cy="6858000" type="screen4x3"/>
   <p:notesSz cx="6858000" cy="9144000"/>
@@ -3193,6 +3194,100 @@
       </p:grpSpPr>
       <p:pic>
         <p:nvPicPr>
+          <p:cNvPr id="2049" name="Picture 1"/>
+          <p:cNvPicPr>
+            <a:picLocks noChangeAspect="1" noChangeArrowheads="1"/>
+          </p:cNvPicPr>
+          <p:nvPr/>
+        </p:nvPicPr>
+        <p:blipFill>
+          <a:blip r:embed="rId2">
+            <a:extLst>
+              <a:ext uri="{28A0092B-C50C-407E-A947-70E740481C1C}">
+                <a14:useLocalDpi xmlns:a14="http://schemas.microsoft.com/office/drawing/2010/main" val="0"/>
+              </a:ext>
+            </a:extLst>
+          </a:blip>
+          <a:srcRect/>
+          <a:stretch>
+            <a:fillRect/>
+          </a:stretch>
+        </p:blipFill>
+        <p:spPr bwMode="auto">
+          <a:xfrm>
+            <a:off x="127845" y="476672"/>
+            <a:ext cx="8888310" cy="5904656"/>
+          </a:xfrm>
+          <a:prstGeom prst="rect">
+            <a:avLst/>
+          </a:prstGeom>
+          <a:noFill/>
+          <a:ln>
+            <a:noFill/>
+          </a:ln>
+          <a:effectLst/>
+          <a:extLst>
+            <a:ext uri="{909E8E84-426E-40DD-AFC4-6F175D3DCCD1}">
+              <a14:hiddenFill xmlns:a14="http://schemas.microsoft.com/office/drawing/2010/main">
+                <a:solidFill>
+                  <a:schemeClr val="accent1"/>
+                </a:solidFill>
+              </a14:hiddenFill>
+            </a:ext>
+            <a:ext uri="{91240B29-F687-4F45-9708-019B960494DF}">
+              <a14:hiddenLine xmlns:a14="http://schemas.microsoft.com/office/drawing/2010/main" w="9525">
+                <a:solidFill>
+                  <a:schemeClr val="tx1"/>
+                </a:solidFill>
+                <a:miter lim="800000"/>
+                <a:headEnd/>
+                <a:tailEnd/>
+              </a14:hiddenLine>
+            </a:ext>
+            <a:ext uri="{AF507438-7753-43E0-B8FC-AC1667EBCBE1}">
+              <a14:hiddenEffects xmlns:a14="http://schemas.microsoft.com/office/drawing/2010/main">
+                <a:effectLst>
+                  <a:outerShdw dist="35921" dir="2700000" algn="ctr" rotWithShape="0">
+                    <a:schemeClr val="bg2"/>
+                  </a:outerShdw>
+                </a:effectLst>
+              </a14:hiddenEffects>
+            </a:ext>
+          </a:extLst>
+        </p:spPr>
+      </p:pic>
+    </p:spTree>
+    <p:extLst>
+      <p:ext uri="{BB962C8B-B14F-4D97-AF65-F5344CB8AC3E}">
+        <p14:creationId xmlns:p14="http://schemas.microsoft.com/office/powerpoint/2010/main" val="2511356002"/>
+      </p:ext>
+    </p:extLst>
+  </p:cSld>
+  <p:clrMapOvr>
+    <a:masterClrMapping/>
+  </p:clrMapOvr>
+</p:sld>
+</file>
+
+<file path=ppt/slides/slide3.xml><?xml version="1.0" encoding="utf-8"?>
+<p:sld xmlns:a="http://schemas.openxmlformats.org/drawingml/2006/main" xmlns:r="http://schemas.openxmlformats.org/officeDocument/2006/relationships" xmlns:p="http://schemas.openxmlformats.org/presentationml/2006/main">
+  <p:cSld>
+    <p:spTree>
+      <p:nvGrpSpPr>
+        <p:cNvPr id="1" name=""/>
+        <p:cNvGrpSpPr/>
+        <p:nvPr/>
+      </p:nvGrpSpPr>
+      <p:grpSpPr>
+        <a:xfrm>
+          <a:off x="0" y="0"/>
+          <a:ext cx="0" cy="0"/>
+          <a:chOff x="0" y="0"/>
+          <a:chExt cx="0" cy="0"/>
+        </a:xfrm>
+      </p:grpSpPr>
+      <p:pic>
+        <p:nvPicPr>
           <p:cNvPr id="2" name="Picture 2"/>
           <p:cNvPicPr>
             <a:picLocks noChangeAspect="1" noChangeArrowheads="1"/>
@@ -3268,7 +3363,7 @@
 </p:sld>
 </file>
 
-<file path=ppt/slides/slide3.xml><?xml version="1.0" encoding="utf-8"?>
+<file path=ppt/slides/slide4.xml><?xml version="1.0" encoding="utf-8"?>
 <p:sld xmlns:a="http://schemas.openxmlformats.org/drawingml/2006/main" xmlns:r="http://schemas.openxmlformats.org/officeDocument/2006/relationships" xmlns:p="http://schemas.openxmlformats.org/presentationml/2006/main">
   <p:cSld>
     <p:spTree>
@@ -3285,74 +3380,1296 @@
           <a:chExt cx="0" cy="0"/>
         </a:xfrm>
       </p:grpSpPr>
-      <p:pic>
-        <p:nvPicPr>
-          <p:cNvPr id="2049" name="Picture 1"/>
-          <p:cNvPicPr>
-            <a:picLocks noChangeAspect="1" noChangeArrowheads="1"/>
-          </p:cNvPicPr>
-          <p:nvPr/>
-        </p:nvPicPr>
-        <p:blipFill>
-          <a:blip r:embed="rId2">
-            <a:extLst>
-              <a:ext uri="{28A0092B-C50C-407E-A947-70E740481C1C}">
-                <a14:useLocalDpi xmlns:a14="http://schemas.microsoft.com/office/drawing/2010/main" val="0"/>
-              </a:ext>
-            </a:extLst>
-          </a:blip>
-          <a:srcRect/>
-          <a:stretch>
-            <a:fillRect/>
-          </a:stretch>
-        </p:blipFill>
-        <p:spPr bwMode="auto">
-          <a:xfrm>
-            <a:off x="127845" y="476672"/>
-            <a:ext cx="8888310" cy="5904656"/>
-          </a:xfrm>
-          <a:prstGeom prst="rect">
-            <a:avLst/>
-          </a:prstGeom>
-          <a:noFill/>
-          <a:ln>
-            <a:noFill/>
-          </a:ln>
-          <a:effectLst/>
-          <a:extLst>
-            <a:ext uri="{909E8E84-426E-40DD-AFC4-6F175D3DCCD1}">
-              <a14:hiddenFill xmlns:a14="http://schemas.microsoft.com/office/drawing/2010/main">
-                <a:solidFill>
-                  <a:schemeClr val="accent1"/>
-                </a:solidFill>
-              </a14:hiddenFill>
-            </a:ext>
-            <a:ext uri="{91240B29-F687-4F45-9708-019B960494DF}">
-              <a14:hiddenLine xmlns:a14="http://schemas.microsoft.com/office/drawing/2010/main" w="9525">
-                <a:solidFill>
-                  <a:schemeClr val="tx1"/>
-                </a:solidFill>
-                <a:miter lim="800000"/>
-                <a:headEnd/>
-                <a:tailEnd/>
-              </a14:hiddenLine>
-            </a:ext>
-            <a:ext uri="{AF507438-7753-43E0-B8FC-AC1667EBCBE1}">
-              <a14:hiddenEffects xmlns:a14="http://schemas.microsoft.com/office/drawing/2010/main">
-                <a:effectLst>
-                  <a:outerShdw dist="35921" dir="2700000" algn="ctr" rotWithShape="0">
-                    <a:schemeClr val="bg2"/>
-                  </a:outerShdw>
-                </a:effectLst>
-              </a14:hiddenEffects>
-            </a:ext>
-          </a:extLst>
-        </p:spPr>
-      </p:pic>
+      <p:graphicFrame>
+        <p:nvGraphicFramePr>
+          <p:cNvPr id="4" name="표 3"/>
+          <p:cNvGraphicFramePr>
+            <a:graphicFrameLocks noGrp="1"/>
+          </p:cNvGraphicFramePr>
+          <p:nvPr>
+            <p:extLst>
+              <p:ext uri="{D42A27DB-BD31-4B8C-83A1-F6EECF244321}">
+                <p14:modId xmlns:p14="http://schemas.microsoft.com/office/powerpoint/2010/main" val="1320028209"/>
+              </p:ext>
+            </p:extLst>
+          </p:nvPr>
+        </p:nvGraphicFramePr>
+        <p:xfrm>
+          <a:off x="2483768" y="1628800"/>
+          <a:ext cx="2628900" cy="1695450"/>
+        </p:xfrm>
+        <a:graphic>
+          <a:graphicData uri="http://schemas.openxmlformats.org/drawingml/2006/table">
+            <a:tbl>
+              <a:tblPr/>
+              <a:tblGrid>
+                <a:gridCol w="684973"/>
+                <a:gridCol w="1344576"/>
+                <a:gridCol w="599351"/>
+              </a:tblGrid>
+              <a:tr h="219075">
+                <a:tc>
+                  <a:txBody>
+                    <a:bodyPr/>
+                    <a:lstStyle/>
+                    <a:p>
+                      <a:pPr algn="ctr" fontAlgn="ctr"/>
+                      <a:r>
+                        <a:rPr lang="en-US" sz="1100" b="0" i="0" u="none" strike="noStrike">
+                          <a:solidFill>
+                            <a:srgbClr val="000000"/>
+                          </a:solidFill>
+                          <a:effectLst/>
+                          <a:latin typeface="맑은 고딕"/>
+                        </a:rPr>
+                        <a:t>n</a:t>
+                      </a:r>
+                    </a:p>
+                  </a:txBody>
+                  <a:tcPr marL="9525" marR="9525" marT="9525" marB="0" anchor="ctr">
+                    <a:lnL w="12700" cap="flat" cmpd="sng" algn="ctr">
+                      <a:solidFill>
+                        <a:srgbClr val="000000"/>
+                      </a:solidFill>
+                      <a:prstDash val="solid"/>
+                      <a:round/>
+                      <a:headEnd type="none" w="med" len="med"/>
+                      <a:tailEnd type="none" w="med" len="med"/>
+                    </a:lnL>
+                    <a:lnR w="6350" cap="flat" cmpd="sng" algn="ctr">
+                      <a:solidFill>
+                        <a:srgbClr val="000000"/>
+                      </a:solidFill>
+                      <a:prstDash val="solid"/>
+                      <a:round/>
+                      <a:headEnd type="none" w="med" len="med"/>
+                      <a:tailEnd type="none" w="med" len="med"/>
+                    </a:lnR>
+                    <a:lnT w="12700" cap="flat" cmpd="sng" algn="ctr">
+                      <a:solidFill>
+                        <a:srgbClr val="000000"/>
+                      </a:solidFill>
+                      <a:prstDash val="solid"/>
+                      <a:round/>
+                      <a:headEnd type="none" w="med" len="med"/>
+                      <a:tailEnd type="none" w="med" len="med"/>
+                    </a:lnT>
+                    <a:lnB w="12700" cap="flat" cmpd="sng" algn="ctr">
+                      <a:solidFill>
+                        <a:srgbClr val="000000"/>
+                      </a:solidFill>
+                      <a:prstDash val="solid"/>
+                      <a:round/>
+                      <a:headEnd type="none" w="med" len="med"/>
+                      <a:tailEnd type="none" w="med" len="med"/>
+                    </a:lnB>
+                    <a:solidFill>
+                      <a:srgbClr val="EEECE1"/>
+                    </a:solidFill>
+                  </a:tcPr>
+                </a:tc>
+                <a:tc>
+                  <a:txBody>
+                    <a:bodyPr/>
+                    <a:lstStyle/>
+                    <a:p>
+                      <a:pPr algn="ctr" fontAlgn="ctr"/>
+                      <a:r>
+                        <a:rPr lang="en-US" sz="1100" b="0" i="0" u="none" strike="noStrike">
+                          <a:solidFill>
+                            <a:srgbClr val="000000"/>
+                          </a:solidFill>
+                          <a:effectLst/>
+                          <a:latin typeface="맑은 고딕"/>
+                        </a:rPr>
+                        <a:t>critical value of W</a:t>
+                      </a:r>
+                    </a:p>
+                  </a:txBody>
+                  <a:tcPr marL="9525" marR="9525" marT="9525" marB="0" anchor="ctr">
+                    <a:lnL w="6350" cap="flat" cmpd="sng" algn="ctr">
+                      <a:solidFill>
+                        <a:srgbClr val="000000"/>
+                      </a:solidFill>
+                      <a:prstDash val="solid"/>
+                      <a:round/>
+                      <a:headEnd type="none" w="med" len="med"/>
+                      <a:tailEnd type="none" w="med" len="med"/>
+                    </a:lnL>
+                    <a:lnR w="6350" cap="flat" cmpd="sng" algn="ctr">
+                      <a:solidFill>
+                        <a:srgbClr val="000000"/>
+                      </a:solidFill>
+                      <a:prstDash val="solid"/>
+                      <a:round/>
+                      <a:headEnd type="none" w="med" len="med"/>
+                      <a:tailEnd type="none" w="med" len="med"/>
+                    </a:lnR>
+                    <a:lnT w="12700" cap="flat" cmpd="sng" algn="ctr">
+                      <a:solidFill>
+                        <a:srgbClr val="000000"/>
+                      </a:solidFill>
+                      <a:prstDash val="solid"/>
+                      <a:round/>
+                      <a:headEnd type="none" w="med" len="med"/>
+                      <a:tailEnd type="none" w="med" len="med"/>
+                    </a:lnT>
+                    <a:lnB w="12700" cap="flat" cmpd="sng" algn="ctr">
+                      <a:solidFill>
+                        <a:srgbClr val="000000"/>
+                      </a:solidFill>
+                      <a:prstDash val="solid"/>
+                      <a:round/>
+                      <a:headEnd type="none" w="med" len="med"/>
+                      <a:tailEnd type="none" w="med" len="med"/>
+                    </a:lnB>
+                    <a:solidFill>
+                      <a:srgbClr val="EEECE1"/>
+                    </a:solidFill>
+                  </a:tcPr>
+                </a:tc>
+                <a:tc>
+                  <a:txBody>
+                    <a:bodyPr/>
+                    <a:lstStyle/>
+                    <a:p>
+                      <a:pPr algn="ctr" fontAlgn="ctr"/>
+                      <a:r>
+                        <a:rPr lang="en-US" sz="1100" b="0" i="0" u="none" strike="noStrike">
+                          <a:solidFill>
+                            <a:srgbClr val="000000"/>
+                          </a:solidFill>
+                          <a:effectLst/>
+                          <a:latin typeface="맑은 고딕"/>
+                        </a:rPr>
+                        <a:t>p-value</a:t>
+                      </a:r>
+                    </a:p>
+                  </a:txBody>
+                  <a:tcPr marL="9525" marR="9525" marT="9525" marB="0" anchor="ctr">
+                    <a:lnL w="6350" cap="flat" cmpd="sng" algn="ctr">
+                      <a:solidFill>
+                        <a:srgbClr val="000000"/>
+                      </a:solidFill>
+                      <a:prstDash val="solid"/>
+                      <a:round/>
+                      <a:headEnd type="none" w="med" len="med"/>
+                      <a:tailEnd type="none" w="med" len="med"/>
+                    </a:lnL>
+                    <a:lnR w="12700" cap="flat" cmpd="sng" algn="ctr">
+                      <a:solidFill>
+                        <a:srgbClr val="000000"/>
+                      </a:solidFill>
+                      <a:prstDash val="solid"/>
+                      <a:round/>
+                      <a:headEnd type="none" w="med" len="med"/>
+                      <a:tailEnd type="none" w="med" len="med"/>
+                    </a:lnR>
+                    <a:lnT w="12700" cap="flat" cmpd="sng" algn="ctr">
+                      <a:solidFill>
+                        <a:srgbClr val="000000"/>
+                      </a:solidFill>
+                      <a:prstDash val="solid"/>
+                      <a:round/>
+                      <a:headEnd type="none" w="med" len="med"/>
+                      <a:tailEnd type="none" w="med" len="med"/>
+                    </a:lnT>
+                    <a:lnB w="12700" cap="flat" cmpd="sng" algn="ctr">
+                      <a:solidFill>
+                        <a:srgbClr val="000000"/>
+                      </a:solidFill>
+                      <a:prstDash val="solid"/>
+                      <a:round/>
+                      <a:headEnd type="none" w="med" len="med"/>
+                      <a:tailEnd type="none" w="med" len="med"/>
+                    </a:lnB>
+                    <a:solidFill>
+                      <a:srgbClr val="EEECE1"/>
+                    </a:solidFill>
+                  </a:tcPr>
+                </a:tc>
+              </a:tr>
+              <a:tr h="209550">
+                <a:tc>
+                  <a:txBody>
+                    <a:bodyPr/>
+                    <a:lstStyle/>
+                    <a:p>
+                      <a:pPr algn="ctr" fontAlgn="ctr"/>
+                      <a:r>
+                        <a:rPr lang="en-US" altLang="ko-KR" sz="1100" b="0" i="0" u="none" strike="noStrike">
+                          <a:solidFill>
+                            <a:srgbClr val="000000"/>
+                          </a:solidFill>
+                          <a:effectLst/>
+                          <a:latin typeface="맑은 고딕"/>
+                        </a:rPr>
+                        <a:t>5</a:t>
+                      </a:r>
+                    </a:p>
+                  </a:txBody>
+                  <a:tcPr marL="9525" marR="9525" marT="9525" marB="0" anchor="ctr">
+                    <a:lnL w="12700" cap="flat" cmpd="sng" algn="ctr">
+                      <a:solidFill>
+                        <a:srgbClr val="000000"/>
+                      </a:solidFill>
+                      <a:prstDash val="solid"/>
+                      <a:round/>
+                      <a:headEnd type="none" w="med" len="med"/>
+                      <a:tailEnd type="none" w="med" len="med"/>
+                    </a:lnL>
+                    <a:lnR w="6350" cap="flat" cmpd="sng" algn="ctr">
+                      <a:solidFill>
+                        <a:srgbClr val="000000"/>
+                      </a:solidFill>
+                      <a:prstDash val="solid"/>
+                      <a:round/>
+                      <a:headEnd type="none" w="med" len="med"/>
+                      <a:tailEnd type="none" w="med" len="med"/>
+                    </a:lnR>
+                    <a:lnT w="12700" cap="flat" cmpd="sng" algn="ctr">
+                      <a:solidFill>
+                        <a:srgbClr val="000000"/>
+                      </a:solidFill>
+                      <a:prstDash val="solid"/>
+                      <a:round/>
+                      <a:headEnd type="none" w="med" len="med"/>
+                      <a:tailEnd type="none" w="med" len="med"/>
+                    </a:lnT>
+                    <a:lnB w="6350" cap="flat" cmpd="sng" algn="ctr">
+                      <a:solidFill>
+                        <a:srgbClr val="000000"/>
+                      </a:solidFill>
+                      <a:prstDash val="solid"/>
+                      <a:round/>
+                      <a:headEnd type="none" w="med" len="med"/>
+                      <a:tailEnd type="none" w="med" len="med"/>
+                    </a:lnB>
+                  </a:tcPr>
+                </a:tc>
+                <a:tc>
+                  <a:txBody>
+                    <a:bodyPr/>
+                    <a:lstStyle/>
+                    <a:p>
+                      <a:pPr algn="ctr" fontAlgn="ctr"/>
+                      <a:r>
+                        <a:rPr lang="en-US" altLang="ko-KR" sz="1100" b="0" i="0" u="none" strike="noStrike">
+                          <a:solidFill>
+                            <a:srgbClr val="000000"/>
+                          </a:solidFill>
+                          <a:effectLst/>
+                          <a:latin typeface="맑은 고딕"/>
+                        </a:rPr>
+                        <a:t>15</a:t>
+                      </a:r>
+                    </a:p>
+                  </a:txBody>
+                  <a:tcPr marL="9525" marR="9525" marT="9525" marB="0" anchor="ctr">
+                    <a:lnL w="6350" cap="flat" cmpd="sng" algn="ctr">
+                      <a:solidFill>
+                        <a:srgbClr val="000000"/>
+                      </a:solidFill>
+                      <a:prstDash val="solid"/>
+                      <a:round/>
+                      <a:headEnd type="none" w="med" len="med"/>
+                      <a:tailEnd type="none" w="med" len="med"/>
+                    </a:lnL>
+                    <a:lnR w="6350" cap="flat" cmpd="sng" algn="ctr">
+                      <a:solidFill>
+                        <a:srgbClr val="000000"/>
+                      </a:solidFill>
+                      <a:prstDash val="solid"/>
+                      <a:round/>
+                      <a:headEnd type="none" w="med" len="med"/>
+                      <a:tailEnd type="none" w="med" len="med"/>
+                    </a:lnR>
+                    <a:lnT w="12700" cap="flat" cmpd="sng" algn="ctr">
+                      <a:solidFill>
+                        <a:srgbClr val="000000"/>
+                      </a:solidFill>
+                      <a:prstDash val="solid"/>
+                      <a:round/>
+                      <a:headEnd type="none" w="med" len="med"/>
+                      <a:tailEnd type="none" w="med" len="med"/>
+                    </a:lnT>
+                    <a:lnB w="6350" cap="flat" cmpd="sng" algn="ctr">
+                      <a:solidFill>
+                        <a:srgbClr val="000000"/>
+                      </a:solidFill>
+                      <a:prstDash val="solid"/>
+                      <a:round/>
+                      <a:headEnd type="none" w="med" len="med"/>
+                      <a:tailEnd type="none" w="med" len="med"/>
+                    </a:lnB>
+                  </a:tcPr>
+                </a:tc>
+                <a:tc>
+                  <a:txBody>
+                    <a:bodyPr/>
+                    <a:lstStyle/>
+                    <a:p>
+                      <a:pPr algn="ctr" fontAlgn="ctr"/>
+                      <a:r>
+                        <a:rPr lang="en-US" altLang="ko-KR" sz="1100" b="0" i="0" u="none" strike="noStrike">
+                          <a:solidFill>
+                            <a:srgbClr val="000000"/>
+                          </a:solidFill>
+                          <a:effectLst/>
+                          <a:latin typeface="맑은 고딕"/>
+                        </a:rPr>
+                        <a:t>0.062</a:t>
+                      </a:r>
+                    </a:p>
+                  </a:txBody>
+                  <a:tcPr marL="9525" marR="9525" marT="9525" marB="0" anchor="ctr">
+                    <a:lnL w="6350" cap="flat" cmpd="sng" algn="ctr">
+                      <a:solidFill>
+                        <a:srgbClr val="000000"/>
+                      </a:solidFill>
+                      <a:prstDash val="solid"/>
+                      <a:round/>
+                      <a:headEnd type="none" w="med" len="med"/>
+                      <a:tailEnd type="none" w="med" len="med"/>
+                    </a:lnL>
+                    <a:lnR w="12700" cap="flat" cmpd="sng" algn="ctr">
+                      <a:solidFill>
+                        <a:srgbClr val="000000"/>
+                      </a:solidFill>
+                      <a:prstDash val="solid"/>
+                      <a:round/>
+                      <a:headEnd type="none" w="med" len="med"/>
+                      <a:tailEnd type="none" w="med" len="med"/>
+                    </a:lnR>
+                    <a:lnT w="12700" cap="flat" cmpd="sng" algn="ctr">
+                      <a:solidFill>
+                        <a:srgbClr val="000000"/>
+                      </a:solidFill>
+                      <a:prstDash val="solid"/>
+                      <a:round/>
+                      <a:headEnd type="none" w="med" len="med"/>
+                      <a:tailEnd type="none" w="med" len="med"/>
+                    </a:lnT>
+                    <a:lnB w="6350" cap="flat" cmpd="sng" algn="ctr">
+                      <a:solidFill>
+                        <a:srgbClr val="000000"/>
+                      </a:solidFill>
+                      <a:prstDash val="solid"/>
+                      <a:round/>
+                      <a:headEnd type="none" w="med" len="med"/>
+                      <a:tailEnd type="none" w="med" len="med"/>
+                    </a:lnB>
+                  </a:tcPr>
+                </a:tc>
+              </a:tr>
+              <a:tr h="209550">
+                <a:tc rowSpan="2">
+                  <a:txBody>
+                    <a:bodyPr/>
+                    <a:lstStyle/>
+                    <a:p>
+                      <a:pPr algn="ctr" fontAlgn="ctr"/>
+                      <a:r>
+                        <a:rPr lang="en-US" altLang="ko-KR" sz="1100" b="0" i="0" u="none" strike="noStrike">
+                          <a:solidFill>
+                            <a:srgbClr val="000000"/>
+                          </a:solidFill>
+                          <a:effectLst/>
+                          <a:latin typeface="맑은 고딕"/>
+                        </a:rPr>
+                        <a:t>6</a:t>
+                      </a:r>
+                    </a:p>
+                  </a:txBody>
+                  <a:tcPr marL="9525" marR="9525" marT="9525" marB="0" anchor="ctr">
+                    <a:lnL w="12700" cap="flat" cmpd="sng" algn="ctr">
+                      <a:solidFill>
+                        <a:srgbClr val="000000"/>
+                      </a:solidFill>
+                      <a:prstDash val="solid"/>
+                      <a:round/>
+                      <a:headEnd type="none" w="med" len="med"/>
+                      <a:tailEnd type="none" w="med" len="med"/>
+                    </a:lnL>
+                    <a:lnR w="6350" cap="flat" cmpd="sng" algn="ctr">
+                      <a:solidFill>
+                        <a:srgbClr val="000000"/>
+                      </a:solidFill>
+                      <a:prstDash val="solid"/>
+                      <a:round/>
+                      <a:headEnd type="none" w="med" len="med"/>
+                      <a:tailEnd type="none" w="med" len="med"/>
+                    </a:lnR>
+                    <a:lnT w="6350" cap="flat" cmpd="sng" algn="ctr">
+                      <a:solidFill>
+                        <a:srgbClr val="000000"/>
+                      </a:solidFill>
+                      <a:prstDash val="solid"/>
+                      <a:round/>
+                      <a:headEnd type="none" w="med" len="med"/>
+                      <a:tailEnd type="none" w="med" len="med"/>
+                    </a:lnT>
+                    <a:lnB w="6350" cap="flat" cmpd="sng" algn="ctr">
+                      <a:solidFill>
+                        <a:srgbClr val="000000"/>
+                      </a:solidFill>
+                      <a:prstDash val="solid"/>
+                      <a:round/>
+                      <a:headEnd type="none" w="med" len="med"/>
+                      <a:tailEnd type="none" w="med" len="med"/>
+                    </a:lnB>
+                  </a:tcPr>
+                </a:tc>
+                <a:tc>
+                  <a:txBody>
+                    <a:bodyPr/>
+                    <a:lstStyle/>
+                    <a:p>
+                      <a:pPr algn="ctr" fontAlgn="ctr"/>
+                      <a:r>
+                        <a:rPr lang="en-US" altLang="ko-KR" sz="1100" b="0" i="0" u="none" strike="noStrike">
+                          <a:solidFill>
+                            <a:srgbClr val="000000"/>
+                          </a:solidFill>
+                          <a:effectLst/>
+                          <a:latin typeface="맑은 고딕"/>
+                        </a:rPr>
+                        <a:t>21</a:t>
+                      </a:r>
+                    </a:p>
+                  </a:txBody>
+                  <a:tcPr marL="9525" marR="9525" marT="9525" marB="0" anchor="ctr">
+                    <a:lnL w="6350" cap="flat" cmpd="sng" algn="ctr">
+                      <a:solidFill>
+                        <a:srgbClr val="000000"/>
+                      </a:solidFill>
+                      <a:prstDash val="solid"/>
+                      <a:round/>
+                      <a:headEnd type="none" w="med" len="med"/>
+                      <a:tailEnd type="none" w="med" len="med"/>
+                    </a:lnL>
+                    <a:lnR w="6350" cap="flat" cmpd="sng" algn="ctr">
+                      <a:solidFill>
+                        <a:srgbClr val="000000"/>
+                      </a:solidFill>
+                      <a:prstDash val="solid"/>
+                      <a:round/>
+                      <a:headEnd type="none" w="med" len="med"/>
+                      <a:tailEnd type="none" w="med" len="med"/>
+                    </a:lnR>
+                    <a:lnT w="6350" cap="flat" cmpd="sng" algn="ctr">
+                      <a:solidFill>
+                        <a:srgbClr val="000000"/>
+                      </a:solidFill>
+                      <a:prstDash val="solid"/>
+                      <a:round/>
+                      <a:headEnd type="none" w="med" len="med"/>
+                      <a:tailEnd type="none" w="med" len="med"/>
+                    </a:lnT>
+                    <a:lnB w="6350" cap="flat" cmpd="sng" algn="ctr">
+                      <a:solidFill>
+                        <a:srgbClr val="000000"/>
+                      </a:solidFill>
+                      <a:prstDash val="solid"/>
+                      <a:round/>
+                      <a:headEnd type="none" w="med" len="med"/>
+                      <a:tailEnd type="none" w="med" len="med"/>
+                    </a:lnB>
+                  </a:tcPr>
+                </a:tc>
+                <a:tc>
+                  <a:txBody>
+                    <a:bodyPr/>
+                    <a:lstStyle/>
+                    <a:p>
+                      <a:pPr algn="ctr" fontAlgn="ctr"/>
+                      <a:r>
+                        <a:rPr lang="en-US" altLang="ko-KR" sz="1100" b="0" i="0" u="none" strike="noStrike">
+                          <a:solidFill>
+                            <a:srgbClr val="000000"/>
+                          </a:solidFill>
+                          <a:effectLst/>
+                          <a:latin typeface="맑은 고딕"/>
+                        </a:rPr>
+                        <a:t>0.032</a:t>
+                      </a:r>
+                    </a:p>
+                  </a:txBody>
+                  <a:tcPr marL="9525" marR="9525" marT="9525" marB="0" anchor="ctr">
+                    <a:lnL w="6350" cap="flat" cmpd="sng" algn="ctr">
+                      <a:solidFill>
+                        <a:srgbClr val="000000"/>
+                      </a:solidFill>
+                      <a:prstDash val="solid"/>
+                      <a:round/>
+                      <a:headEnd type="none" w="med" len="med"/>
+                      <a:tailEnd type="none" w="med" len="med"/>
+                    </a:lnL>
+                    <a:lnR w="12700" cap="flat" cmpd="sng" algn="ctr">
+                      <a:solidFill>
+                        <a:srgbClr val="000000"/>
+                      </a:solidFill>
+                      <a:prstDash val="solid"/>
+                      <a:round/>
+                      <a:headEnd type="none" w="med" len="med"/>
+                      <a:tailEnd type="none" w="med" len="med"/>
+                    </a:lnR>
+                    <a:lnT w="6350" cap="flat" cmpd="sng" algn="ctr">
+                      <a:solidFill>
+                        <a:srgbClr val="000000"/>
+                      </a:solidFill>
+                      <a:prstDash val="solid"/>
+                      <a:round/>
+                      <a:headEnd type="none" w="med" len="med"/>
+                      <a:tailEnd type="none" w="med" len="med"/>
+                    </a:lnT>
+                    <a:lnB w="6350" cap="flat" cmpd="sng" algn="ctr">
+                      <a:solidFill>
+                        <a:srgbClr val="000000"/>
+                      </a:solidFill>
+                      <a:prstDash val="solid"/>
+                      <a:round/>
+                      <a:headEnd type="none" w="med" len="med"/>
+                      <a:tailEnd type="none" w="med" len="med"/>
+                    </a:lnB>
+                  </a:tcPr>
+                </a:tc>
+              </a:tr>
+              <a:tr h="209550">
+                <a:tc vMerge="1">
+                  <a:txBody>
+                    <a:bodyPr/>
+                    <a:lstStyle/>
+                    <a:p>
+                      <a:pPr latinLnBrk="1"/>
+                      <a:endParaRPr lang="ko-KR" altLang="en-US"/>
+                    </a:p>
+                  </a:txBody>
+                  <a:tcPr/>
+                </a:tc>
+                <a:tc>
+                  <a:txBody>
+                    <a:bodyPr/>
+                    <a:lstStyle/>
+                    <a:p>
+                      <a:pPr algn="ctr" fontAlgn="ctr"/>
+                      <a:r>
+                        <a:rPr lang="en-US" altLang="ko-KR" sz="1100" b="0" i="0" u="none" strike="noStrike">
+                          <a:solidFill>
+                            <a:srgbClr val="000000"/>
+                          </a:solidFill>
+                          <a:effectLst/>
+                          <a:latin typeface="맑은 고딕"/>
+                        </a:rPr>
+                        <a:t>19</a:t>
+                      </a:r>
+                    </a:p>
+                  </a:txBody>
+                  <a:tcPr marL="9525" marR="9525" marT="9525" marB="0" anchor="ctr">
+                    <a:lnL w="6350" cap="flat" cmpd="sng" algn="ctr">
+                      <a:solidFill>
+                        <a:srgbClr val="000000"/>
+                      </a:solidFill>
+                      <a:prstDash val="solid"/>
+                      <a:round/>
+                      <a:headEnd type="none" w="med" len="med"/>
+                      <a:tailEnd type="none" w="med" len="med"/>
+                    </a:lnL>
+                    <a:lnR w="6350" cap="flat" cmpd="sng" algn="ctr">
+                      <a:solidFill>
+                        <a:srgbClr val="000000"/>
+                      </a:solidFill>
+                      <a:prstDash val="solid"/>
+                      <a:round/>
+                      <a:headEnd type="none" w="med" len="med"/>
+                      <a:tailEnd type="none" w="med" len="med"/>
+                    </a:lnR>
+                    <a:lnT w="6350" cap="flat" cmpd="sng" algn="ctr">
+                      <a:solidFill>
+                        <a:srgbClr val="000000"/>
+                      </a:solidFill>
+                      <a:prstDash val="solid"/>
+                      <a:round/>
+                      <a:headEnd type="none" w="med" len="med"/>
+                      <a:tailEnd type="none" w="med" len="med"/>
+                    </a:lnT>
+                    <a:lnB w="6350" cap="flat" cmpd="sng" algn="ctr">
+                      <a:solidFill>
+                        <a:srgbClr val="000000"/>
+                      </a:solidFill>
+                      <a:prstDash val="solid"/>
+                      <a:round/>
+                      <a:headEnd type="none" w="med" len="med"/>
+                      <a:tailEnd type="none" w="med" len="med"/>
+                    </a:lnB>
+                  </a:tcPr>
+                </a:tc>
+                <a:tc>
+                  <a:txBody>
+                    <a:bodyPr/>
+                    <a:lstStyle/>
+                    <a:p>
+                      <a:pPr algn="ctr" fontAlgn="ctr"/>
+                      <a:r>
+                        <a:rPr lang="en-US" altLang="ko-KR" sz="1100" b="0" i="0" u="none" strike="noStrike">
+                          <a:solidFill>
+                            <a:srgbClr val="000000"/>
+                          </a:solidFill>
+                          <a:effectLst/>
+                          <a:latin typeface="맑은 고딕"/>
+                        </a:rPr>
+                        <a:t>0.062</a:t>
+                      </a:r>
+                    </a:p>
+                  </a:txBody>
+                  <a:tcPr marL="9525" marR="9525" marT="9525" marB="0" anchor="ctr">
+                    <a:lnL w="6350" cap="flat" cmpd="sng" algn="ctr">
+                      <a:solidFill>
+                        <a:srgbClr val="000000"/>
+                      </a:solidFill>
+                      <a:prstDash val="solid"/>
+                      <a:round/>
+                      <a:headEnd type="none" w="med" len="med"/>
+                      <a:tailEnd type="none" w="med" len="med"/>
+                    </a:lnL>
+                    <a:lnR w="12700" cap="flat" cmpd="sng" algn="ctr">
+                      <a:solidFill>
+                        <a:srgbClr val="000000"/>
+                      </a:solidFill>
+                      <a:prstDash val="solid"/>
+                      <a:round/>
+                      <a:headEnd type="none" w="med" len="med"/>
+                      <a:tailEnd type="none" w="med" len="med"/>
+                    </a:lnR>
+                    <a:lnT w="6350" cap="flat" cmpd="sng" algn="ctr">
+                      <a:solidFill>
+                        <a:srgbClr val="000000"/>
+                      </a:solidFill>
+                      <a:prstDash val="solid"/>
+                      <a:round/>
+                      <a:headEnd type="none" w="med" len="med"/>
+                      <a:tailEnd type="none" w="med" len="med"/>
+                    </a:lnT>
+                    <a:lnB w="6350" cap="flat" cmpd="sng" algn="ctr">
+                      <a:solidFill>
+                        <a:srgbClr val="000000"/>
+                      </a:solidFill>
+                      <a:prstDash val="solid"/>
+                      <a:round/>
+                      <a:headEnd type="none" w="med" len="med"/>
+                      <a:tailEnd type="none" w="med" len="med"/>
+                    </a:lnB>
+                  </a:tcPr>
+                </a:tc>
+              </a:tr>
+              <a:tr h="209550">
+                <a:tc>
+                  <a:txBody>
+                    <a:bodyPr/>
+                    <a:lstStyle/>
+                    <a:p>
+                      <a:pPr algn="ctr" fontAlgn="ctr"/>
+                      <a:r>
+                        <a:rPr lang="en-US" altLang="ko-KR" sz="1100" b="0" i="0" u="none" strike="noStrike">
+                          <a:solidFill>
+                            <a:srgbClr val="000000"/>
+                          </a:solidFill>
+                          <a:effectLst/>
+                          <a:latin typeface="맑은 고딕"/>
+                        </a:rPr>
+                        <a:t>7</a:t>
+                      </a:r>
+                    </a:p>
+                  </a:txBody>
+                  <a:tcPr marL="9525" marR="9525" marT="9525" marB="0" anchor="ctr">
+                    <a:lnL w="12700" cap="flat" cmpd="sng" algn="ctr">
+                      <a:solidFill>
+                        <a:srgbClr val="000000"/>
+                      </a:solidFill>
+                      <a:prstDash val="solid"/>
+                      <a:round/>
+                      <a:headEnd type="none" w="med" len="med"/>
+                      <a:tailEnd type="none" w="med" len="med"/>
+                    </a:lnL>
+                    <a:lnR w="6350" cap="flat" cmpd="sng" algn="ctr">
+                      <a:solidFill>
+                        <a:srgbClr val="000000"/>
+                      </a:solidFill>
+                      <a:prstDash val="solid"/>
+                      <a:round/>
+                      <a:headEnd type="none" w="med" len="med"/>
+                      <a:tailEnd type="none" w="med" len="med"/>
+                    </a:lnR>
+                    <a:lnT w="6350" cap="flat" cmpd="sng" algn="ctr">
+                      <a:solidFill>
+                        <a:srgbClr val="000000"/>
+                      </a:solidFill>
+                      <a:prstDash val="solid"/>
+                      <a:round/>
+                      <a:headEnd type="none" w="med" len="med"/>
+                      <a:tailEnd type="none" w="med" len="med"/>
+                    </a:lnT>
+                    <a:lnB w="6350" cap="flat" cmpd="sng" algn="ctr">
+                      <a:solidFill>
+                        <a:srgbClr val="000000"/>
+                      </a:solidFill>
+                      <a:prstDash val="solid"/>
+                      <a:round/>
+                      <a:headEnd type="none" w="med" len="med"/>
+                      <a:tailEnd type="none" w="med" len="med"/>
+                    </a:lnB>
+                  </a:tcPr>
+                </a:tc>
+                <a:tc>
+                  <a:txBody>
+                    <a:bodyPr/>
+                    <a:lstStyle/>
+                    <a:p>
+                      <a:pPr algn="ctr" fontAlgn="ctr"/>
+                      <a:r>
+                        <a:rPr lang="en-US" altLang="ko-KR" sz="1100" b="0" i="0" u="none" strike="noStrike">
+                          <a:solidFill>
+                            <a:srgbClr val="000000"/>
+                          </a:solidFill>
+                          <a:effectLst/>
+                          <a:latin typeface="맑은 고딕"/>
+                        </a:rPr>
+                        <a:t>28</a:t>
+                      </a:r>
+                    </a:p>
+                  </a:txBody>
+                  <a:tcPr marL="9525" marR="9525" marT="9525" marB="0" anchor="ctr">
+                    <a:lnL w="6350" cap="flat" cmpd="sng" algn="ctr">
+                      <a:solidFill>
+                        <a:srgbClr val="000000"/>
+                      </a:solidFill>
+                      <a:prstDash val="solid"/>
+                      <a:round/>
+                      <a:headEnd type="none" w="med" len="med"/>
+                      <a:tailEnd type="none" w="med" len="med"/>
+                    </a:lnL>
+                    <a:lnR w="6350" cap="flat" cmpd="sng" algn="ctr">
+                      <a:solidFill>
+                        <a:srgbClr val="000000"/>
+                      </a:solidFill>
+                      <a:prstDash val="solid"/>
+                      <a:round/>
+                      <a:headEnd type="none" w="med" len="med"/>
+                      <a:tailEnd type="none" w="med" len="med"/>
+                    </a:lnR>
+                    <a:lnT w="6350" cap="flat" cmpd="sng" algn="ctr">
+                      <a:solidFill>
+                        <a:srgbClr val="000000"/>
+                      </a:solidFill>
+                      <a:prstDash val="solid"/>
+                      <a:round/>
+                      <a:headEnd type="none" w="med" len="med"/>
+                      <a:tailEnd type="none" w="med" len="med"/>
+                    </a:lnT>
+                    <a:lnB w="6350" cap="flat" cmpd="sng" algn="ctr">
+                      <a:solidFill>
+                        <a:srgbClr val="000000"/>
+                      </a:solidFill>
+                      <a:prstDash val="solid"/>
+                      <a:round/>
+                      <a:headEnd type="none" w="med" len="med"/>
+                      <a:tailEnd type="none" w="med" len="med"/>
+                    </a:lnB>
+                  </a:tcPr>
+                </a:tc>
+                <a:tc>
+                  <a:txBody>
+                    <a:bodyPr/>
+                    <a:lstStyle/>
+                    <a:p>
+                      <a:pPr algn="ctr" fontAlgn="ctr"/>
+                      <a:r>
+                        <a:rPr lang="en-US" altLang="ko-KR" sz="1100" b="0" i="0" u="none" strike="noStrike">
+                          <a:solidFill>
+                            <a:srgbClr val="000000"/>
+                          </a:solidFill>
+                          <a:effectLst/>
+                          <a:latin typeface="맑은 고딕"/>
+                        </a:rPr>
+                        <a:t>0.016</a:t>
+                      </a:r>
+                    </a:p>
+                  </a:txBody>
+                  <a:tcPr marL="9525" marR="9525" marT="9525" marB="0" anchor="ctr">
+                    <a:lnL w="6350" cap="flat" cmpd="sng" algn="ctr">
+                      <a:solidFill>
+                        <a:srgbClr val="000000"/>
+                      </a:solidFill>
+                      <a:prstDash val="solid"/>
+                      <a:round/>
+                      <a:headEnd type="none" w="med" len="med"/>
+                      <a:tailEnd type="none" w="med" len="med"/>
+                    </a:lnL>
+                    <a:lnR w="12700" cap="flat" cmpd="sng" algn="ctr">
+                      <a:solidFill>
+                        <a:srgbClr val="000000"/>
+                      </a:solidFill>
+                      <a:prstDash val="solid"/>
+                      <a:round/>
+                      <a:headEnd type="none" w="med" len="med"/>
+                      <a:tailEnd type="none" w="med" len="med"/>
+                    </a:lnR>
+                    <a:lnT w="6350" cap="flat" cmpd="sng" algn="ctr">
+                      <a:solidFill>
+                        <a:srgbClr val="000000"/>
+                      </a:solidFill>
+                      <a:prstDash val="solid"/>
+                      <a:round/>
+                      <a:headEnd type="none" w="med" len="med"/>
+                      <a:tailEnd type="none" w="med" len="med"/>
+                    </a:lnT>
+                    <a:lnB w="6350" cap="flat" cmpd="sng" algn="ctr">
+                      <a:solidFill>
+                        <a:srgbClr val="000000"/>
+                      </a:solidFill>
+                      <a:prstDash val="solid"/>
+                      <a:round/>
+                      <a:headEnd type="none" w="med" len="med"/>
+                      <a:tailEnd type="none" w="med" len="med"/>
+                    </a:lnB>
+                  </a:tcPr>
+                </a:tc>
+              </a:tr>
+              <a:tr h="209550">
+                <a:tc rowSpan="3">
+                  <a:txBody>
+                    <a:bodyPr/>
+                    <a:lstStyle/>
+                    <a:p>
+                      <a:pPr algn="ctr" fontAlgn="ctr"/>
+                      <a:r>
+                        <a:rPr lang="en-US" altLang="ko-KR" sz="1100" b="0" i="0" u="none" strike="noStrike">
+                          <a:solidFill>
+                            <a:srgbClr val="000000"/>
+                          </a:solidFill>
+                          <a:effectLst/>
+                          <a:latin typeface="맑은 고딕"/>
+                        </a:rPr>
+                        <a:t>8</a:t>
+                      </a:r>
+                    </a:p>
+                  </a:txBody>
+                  <a:tcPr marL="9525" marR="9525" marT="9525" marB="0" anchor="ctr">
+                    <a:lnL w="12700" cap="flat" cmpd="sng" algn="ctr">
+                      <a:solidFill>
+                        <a:srgbClr val="000000"/>
+                      </a:solidFill>
+                      <a:prstDash val="solid"/>
+                      <a:round/>
+                      <a:headEnd type="none" w="med" len="med"/>
+                      <a:tailEnd type="none" w="med" len="med"/>
+                    </a:lnL>
+                    <a:lnR w="6350" cap="flat" cmpd="sng" algn="ctr">
+                      <a:solidFill>
+                        <a:srgbClr val="000000"/>
+                      </a:solidFill>
+                      <a:prstDash val="solid"/>
+                      <a:round/>
+                      <a:headEnd type="none" w="med" len="med"/>
+                      <a:tailEnd type="none" w="med" len="med"/>
+                    </a:lnR>
+                    <a:lnT w="6350" cap="flat" cmpd="sng" algn="ctr">
+                      <a:solidFill>
+                        <a:srgbClr val="000000"/>
+                      </a:solidFill>
+                      <a:prstDash val="solid"/>
+                      <a:round/>
+                      <a:headEnd type="none" w="med" len="med"/>
+                      <a:tailEnd type="none" w="med" len="med"/>
+                    </a:lnT>
+                    <a:lnB w="12700" cap="flat" cmpd="sng" algn="ctr">
+                      <a:solidFill>
+                        <a:srgbClr val="000000"/>
+                      </a:solidFill>
+                      <a:prstDash val="solid"/>
+                      <a:round/>
+                      <a:headEnd type="none" w="med" len="med"/>
+                      <a:tailEnd type="none" w="med" len="med"/>
+                    </a:lnB>
+                  </a:tcPr>
+                </a:tc>
+                <a:tc>
+                  <a:txBody>
+                    <a:bodyPr/>
+                    <a:lstStyle/>
+                    <a:p>
+                      <a:pPr algn="ctr" fontAlgn="ctr"/>
+                      <a:r>
+                        <a:rPr lang="en-US" altLang="ko-KR" sz="1100" b="0" i="0" u="none" strike="noStrike">
+                          <a:solidFill>
+                            <a:srgbClr val="000000"/>
+                          </a:solidFill>
+                          <a:effectLst/>
+                          <a:latin typeface="맑은 고딕"/>
+                        </a:rPr>
+                        <a:t>24</a:t>
+                      </a:r>
+                    </a:p>
+                  </a:txBody>
+                  <a:tcPr marL="9525" marR="9525" marT="9525" marB="0" anchor="ctr">
+                    <a:lnL w="6350" cap="flat" cmpd="sng" algn="ctr">
+                      <a:solidFill>
+                        <a:srgbClr val="000000"/>
+                      </a:solidFill>
+                      <a:prstDash val="solid"/>
+                      <a:round/>
+                      <a:headEnd type="none" w="med" len="med"/>
+                      <a:tailEnd type="none" w="med" len="med"/>
+                    </a:lnL>
+                    <a:lnR w="6350" cap="flat" cmpd="sng" algn="ctr">
+                      <a:solidFill>
+                        <a:srgbClr val="000000"/>
+                      </a:solidFill>
+                      <a:prstDash val="solid"/>
+                      <a:round/>
+                      <a:headEnd type="none" w="med" len="med"/>
+                      <a:tailEnd type="none" w="med" len="med"/>
+                    </a:lnR>
+                    <a:lnT w="6350" cap="flat" cmpd="sng" algn="ctr">
+                      <a:solidFill>
+                        <a:srgbClr val="000000"/>
+                      </a:solidFill>
+                      <a:prstDash val="solid"/>
+                      <a:round/>
+                      <a:headEnd type="none" w="med" len="med"/>
+                      <a:tailEnd type="none" w="med" len="med"/>
+                    </a:lnT>
+                    <a:lnB w="6350" cap="flat" cmpd="sng" algn="ctr">
+                      <a:solidFill>
+                        <a:srgbClr val="000000"/>
+                      </a:solidFill>
+                      <a:prstDash val="solid"/>
+                      <a:round/>
+                      <a:headEnd type="none" w="med" len="med"/>
+                      <a:tailEnd type="none" w="med" len="med"/>
+                    </a:lnB>
+                  </a:tcPr>
+                </a:tc>
+                <a:tc>
+                  <a:txBody>
+                    <a:bodyPr/>
+                    <a:lstStyle/>
+                    <a:p>
+                      <a:pPr algn="ctr" fontAlgn="ctr"/>
+                      <a:r>
+                        <a:rPr lang="en-US" altLang="ko-KR" sz="1100" b="0" i="0" u="none" strike="noStrike">
+                          <a:solidFill>
+                            <a:srgbClr val="000000"/>
+                          </a:solidFill>
+                          <a:effectLst/>
+                          <a:latin typeface="맑은 고딕"/>
+                        </a:rPr>
+                        <a:t>0.046</a:t>
+                      </a:r>
+                    </a:p>
+                  </a:txBody>
+                  <a:tcPr marL="9525" marR="9525" marT="9525" marB="0" anchor="ctr">
+                    <a:lnL w="6350" cap="flat" cmpd="sng" algn="ctr">
+                      <a:solidFill>
+                        <a:srgbClr val="000000"/>
+                      </a:solidFill>
+                      <a:prstDash val="solid"/>
+                      <a:round/>
+                      <a:headEnd type="none" w="med" len="med"/>
+                      <a:tailEnd type="none" w="med" len="med"/>
+                    </a:lnL>
+                    <a:lnR w="12700" cap="flat" cmpd="sng" algn="ctr">
+                      <a:solidFill>
+                        <a:srgbClr val="000000"/>
+                      </a:solidFill>
+                      <a:prstDash val="solid"/>
+                      <a:round/>
+                      <a:headEnd type="none" w="med" len="med"/>
+                      <a:tailEnd type="none" w="med" len="med"/>
+                    </a:lnR>
+                    <a:lnT w="6350" cap="flat" cmpd="sng" algn="ctr">
+                      <a:solidFill>
+                        <a:srgbClr val="000000"/>
+                      </a:solidFill>
+                      <a:prstDash val="solid"/>
+                      <a:round/>
+                      <a:headEnd type="none" w="med" len="med"/>
+                      <a:tailEnd type="none" w="med" len="med"/>
+                    </a:lnT>
+                    <a:lnB w="6350" cap="flat" cmpd="sng" algn="ctr">
+                      <a:solidFill>
+                        <a:srgbClr val="000000"/>
+                      </a:solidFill>
+                      <a:prstDash val="solid"/>
+                      <a:round/>
+                      <a:headEnd type="none" w="med" len="med"/>
+                      <a:tailEnd type="none" w="med" len="med"/>
+                    </a:lnB>
+                  </a:tcPr>
+                </a:tc>
+              </a:tr>
+              <a:tr h="209550">
+                <a:tc vMerge="1">
+                  <a:txBody>
+                    <a:bodyPr/>
+                    <a:lstStyle/>
+                    <a:p>
+                      <a:pPr latinLnBrk="1"/>
+                      <a:endParaRPr lang="ko-KR" altLang="en-US"/>
+                    </a:p>
+                  </a:txBody>
+                  <a:tcPr/>
+                </a:tc>
+                <a:tc>
+                  <a:txBody>
+                    <a:bodyPr/>
+                    <a:lstStyle/>
+                    <a:p>
+                      <a:pPr algn="ctr" fontAlgn="ctr"/>
+                      <a:r>
+                        <a:rPr lang="en-US" altLang="ko-KR" sz="1100" b="0" i="0" u="none" strike="noStrike">
+                          <a:solidFill>
+                            <a:srgbClr val="000000"/>
+                          </a:solidFill>
+                          <a:effectLst/>
+                          <a:latin typeface="맑은 고딕"/>
+                        </a:rPr>
+                        <a:t>32</a:t>
+                      </a:r>
+                    </a:p>
+                  </a:txBody>
+                  <a:tcPr marL="9525" marR="9525" marT="9525" marB="0" anchor="ctr">
+                    <a:lnL w="6350" cap="flat" cmpd="sng" algn="ctr">
+                      <a:solidFill>
+                        <a:srgbClr val="000000"/>
+                      </a:solidFill>
+                      <a:prstDash val="solid"/>
+                      <a:round/>
+                      <a:headEnd type="none" w="med" len="med"/>
+                      <a:tailEnd type="none" w="med" len="med"/>
+                    </a:lnL>
+                    <a:lnR w="6350" cap="flat" cmpd="sng" algn="ctr">
+                      <a:solidFill>
+                        <a:srgbClr val="000000"/>
+                      </a:solidFill>
+                      <a:prstDash val="solid"/>
+                      <a:round/>
+                      <a:headEnd type="none" w="med" len="med"/>
+                      <a:tailEnd type="none" w="med" len="med"/>
+                    </a:lnR>
+                    <a:lnT w="6350" cap="flat" cmpd="sng" algn="ctr">
+                      <a:solidFill>
+                        <a:srgbClr val="000000"/>
+                      </a:solidFill>
+                      <a:prstDash val="solid"/>
+                      <a:round/>
+                      <a:headEnd type="none" w="med" len="med"/>
+                      <a:tailEnd type="none" w="med" len="med"/>
+                    </a:lnT>
+                    <a:lnB w="6350" cap="flat" cmpd="sng" algn="ctr">
+                      <a:solidFill>
+                        <a:srgbClr val="000000"/>
+                      </a:solidFill>
+                      <a:prstDash val="solid"/>
+                      <a:round/>
+                      <a:headEnd type="none" w="med" len="med"/>
+                      <a:tailEnd type="none" w="med" len="med"/>
+                    </a:lnB>
+                  </a:tcPr>
+                </a:tc>
+                <a:tc>
+                  <a:txBody>
+                    <a:bodyPr/>
+                    <a:lstStyle/>
+                    <a:p>
+                      <a:pPr algn="ctr" fontAlgn="ctr"/>
+                      <a:r>
+                        <a:rPr lang="en-US" altLang="ko-KR" sz="1100" b="0" i="0" u="none" strike="noStrike">
+                          <a:solidFill>
+                            <a:srgbClr val="000000"/>
+                          </a:solidFill>
+                          <a:effectLst/>
+                          <a:latin typeface="맑은 고딕"/>
+                        </a:rPr>
+                        <a:t>0.024</a:t>
+                      </a:r>
+                    </a:p>
+                  </a:txBody>
+                  <a:tcPr marL="9525" marR="9525" marT="9525" marB="0" anchor="ctr">
+                    <a:lnL w="6350" cap="flat" cmpd="sng" algn="ctr">
+                      <a:solidFill>
+                        <a:srgbClr val="000000"/>
+                      </a:solidFill>
+                      <a:prstDash val="solid"/>
+                      <a:round/>
+                      <a:headEnd type="none" w="med" len="med"/>
+                      <a:tailEnd type="none" w="med" len="med"/>
+                    </a:lnL>
+                    <a:lnR w="12700" cap="flat" cmpd="sng" algn="ctr">
+                      <a:solidFill>
+                        <a:srgbClr val="000000"/>
+                      </a:solidFill>
+                      <a:prstDash val="solid"/>
+                      <a:round/>
+                      <a:headEnd type="none" w="med" len="med"/>
+                      <a:tailEnd type="none" w="med" len="med"/>
+                    </a:lnR>
+                    <a:lnT w="6350" cap="flat" cmpd="sng" algn="ctr">
+                      <a:solidFill>
+                        <a:srgbClr val="000000"/>
+                      </a:solidFill>
+                      <a:prstDash val="solid"/>
+                      <a:round/>
+                      <a:headEnd type="none" w="med" len="med"/>
+                      <a:tailEnd type="none" w="med" len="med"/>
+                    </a:lnT>
+                    <a:lnB w="6350" cap="flat" cmpd="sng" algn="ctr">
+                      <a:solidFill>
+                        <a:srgbClr val="000000"/>
+                      </a:solidFill>
+                      <a:prstDash val="solid"/>
+                      <a:round/>
+                      <a:headEnd type="none" w="med" len="med"/>
+                      <a:tailEnd type="none" w="med" len="med"/>
+                    </a:lnB>
+                  </a:tcPr>
+                </a:tc>
+              </a:tr>
+              <a:tr h="219075">
+                <a:tc vMerge="1">
+                  <a:txBody>
+                    <a:bodyPr/>
+                    <a:lstStyle/>
+                    <a:p>
+                      <a:pPr latinLnBrk="1"/>
+                      <a:endParaRPr lang="ko-KR" altLang="en-US"/>
+                    </a:p>
+                  </a:txBody>
+                  <a:tcPr/>
+                </a:tc>
+                <a:tc>
+                  <a:txBody>
+                    <a:bodyPr/>
+                    <a:lstStyle/>
+                    <a:p>
+                      <a:pPr algn="ctr" fontAlgn="ctr"/>
+                      <a:r>
+                        <a:rPr lang="en-US" altLang="ko-KR" sz="1100" b="0" i="0" u="none" strike="noStrike">
+                          <a:solidFill>
+                            <a:srgbClr val="000000"/>
+                          </a:solidFill>
+                          <a:effectLst/>
+                          <a:latin typeface="맑은 고딕"/>
+                        </a:rPr>
+                        <a:t>28</a:t>
+                      </a:r>
+                    </a:p>
+                  </a:txBody>
+                  <a:tcPr marL="9525" marR="9525" marT="9525" marB="0" anchor="ctr">
+                    <a:lnL w="6350" cap="flat" cmpd="sng" algn="ctr">
+                      <a:solidFill>
+                        <a:srgbClr val="000000"/>
+                      </a:solidFill>
+                      <a:prstDash val="solid"/>
+                      <a:round/>
+                      <a:headEnd type="none" w="med" len="med"/>
+                      <a:tailEnd type="none" w="med" len="med"/>
+                    </a:lnL>
+                    <a:lnR w="6350" cap="flat" cmpd="sng" algn="ctr">
+                      <a:solidFill>
+                        <a:srgbClr val="000000"/>
+                      </a:solidFill>
+                      <a:prstDash val="solid"/>
+                      <a:round/>
+                      <a:headEnd type="none" w="med" len="med"/>
+                      <a:tailEnd type="none" w="med" len="med"/>
+                    </a:lnR>
+                    <a:lnT w="6350" cap="flat" cmpd="sng" algn="ctr">
+                      <a:solidFill>
+                        <a:srgbClr val="000000"/>
+                      </a:solidFill>
+                      <a:prstDash val="solid"/>
+                      <a:round/>
+                      <a:headEnd type="none" w="med" len="med"/>
+                      <a:tailEnd type="none" w="med" len="med"/>
+                    </a:lnT>
+                    <a:lnB w="12700" cap="flat" cmpd="sng" algn="ctr">
+                      <a:solidFill>
+                        <a:srgbClr val="000000"/>
+                      </a:solidFill>
+                      <a:prstDash val="solid"/>
+                      <a:round/>
+                      <a:headEnd type="none" w="med" len="med"/>
+                      <a:tailEnd type="none" w="med" len="med"/>
+                    </a:lnB>
+                  </a:tcPr>
+                </a:tc>
+                <a:tc>
+                  <a:txBody>
+                    <a:bodyPr/>
+                    <a:lstStyle/>
+                    <a:p>
+                      <a:pPr algn="ctr" fontAlgn="ctr"/>
+                      <a:r>
+                        <a:rPr lang="en-US" altLang="ko-KR" sz="1100" b="0" i="0" u="none" strike="noStrike" dirty="0">
+                          <a:solidFill>
+                            <a:srgbClr val="000000"/>
+                          </a:solidFill>
+                          <a:effectLst/>
+                          <a:latin typeface="맑은 고딕"/>
+                        </a:rPr>
+                        <a:t>0.054</a:t>
+                      </a:r>
+                    </a:p>
+                  </a:txBody>
+                  <a:tcPr marL="9525" marR="9525" marT="9525" marB="0" anchor="ctr">
+                    <a:lnL w="6350" cap="flat" cmpd="sng" algn="ctr">
+                      <a:solidFill>
+                        <a:srgbClr val="000000"/>
+                      </a:solidFill>
+                      <a:prstDash val="solid"/>
+                      <a:round/>
+                      <a:headEnd type="none" w="med" len="med"/>
+                      <a:tailEnd type="none" w="med" len="med"/>
+                    </a:lnL>
+                    <a:lnR w="12700" cap="flat" cmpd="sng" algn="ctr">
+                      <a:solidFill>
+                        <a:srgbClr val="000000"/>
+                      </a:solidFill>
+                      <a:prstDash val="solid"/>
+                      <a:round/>
+                      <a:headEnd type="none" w="med" len="med"/>
+                      <a:tailEnd type="none" w="med" len="med"/>
+                    </a:lnR>
+                    <a:lnT w="6350" cap="flat" cmpd="sng" algn="ctr">
+                      <a:solidFill>
+                        <a:srgbClr val="000000"/>
+                      </a:solidFill>
+                      <a:prstDash val="solid"/>
+                      <a:round/>
+                      <a:headEnd type="none" w="med" len="med"/>
+                      <a:tailEnd type="none" w="med" len="med"/>
+                    </a:lnT>
+                    <a:lnB w="12700" cap="flat" cmpd="sng" algn="ctr">
+                      <a:solidFill>
+                        <a:srgbClr val="000000"/>
+                      </a:solidFill>
+                      <a:prstDash val="solid"/>
+                      <a:round/>
+                      <a:headEnd type="none" w="med" len="med"/>
+                      <a:tailEnd type="none" w="med" len="med"/>
+                    </a:lnB>
+                  </a:tcPr>
+                </a:tc>
+              </a:tr>
+            </a:tbl>
+          </a:graphicData>
+        </a:graphic>
+      </p:graphicFrame>
     </p:spTree>
     <p:extLst>
       <p:ext uri="{BB962C8B-B14F-4D97-AF65-F5344CB8AC3E}">
-        <p14:creationId xmlns:p14="http://schemas.microsoft.com/office/powerpoint/2010/main" val="2511356002"/>
+        <p14:creationId xmlns:p14="http://schemas.microsoft.com/office/powerpoint/2010/main" val="1348545996"/>
       </p:ext>
     </p:extLst>
   </p:cSld>

--- a/pics/2021-11-26-signed_rank/pics.pptx
+++ b/pics/2021-11-26-signed_rank/pics.pptx
@@ -6,9 +6,12 @@
   </p:sldMasterIdLst>
   <p:sldIdLst>
     <p:sldId id="256" r:id="rId2"/>
-    <p:sldId id="257" r:id="rId3"/>
-    <p:sldId id="258" r:id="rId4"/>
-    <p:sldId id="259" r:id="rId5"/>
+    <p:sldId id="261" r:id="rId3"/>
+    <p:sldId id="257" r:id="rId4"/>
+    <p:sldId id="260" r:id="rId5"/>
+    <p:sldId id="258" r:id="rId6"/>
+    <p:sldId id="262" r:id="rId7"/>
+    <p:sldId id="259" r:id="rId8"/>
   </p:sldIdLst>
   <p:sldSz cx="9144000" cy="6858000" type="screen4x3"/>
   <p:notesSz cx="6858000" cy="9144000"/>
@@ -107,6 +110,22 @@
       </a:defRPr>
     </a:lvl9pPr>
   </p:defaultTextStyle>
+  <p:extLst>
+    <p:ext uri="{EFAFB233-063F-42B5-8137-9DF3F51BA10A}">
+      <p15:sldGuideLst xmlns:p15="http://schemas.microsoft.com/office/powerpoint/2012/main">
+        <p15:guide id="1" orient="horz" pos="2160">
+          <p15:clr>
+            <a:srgbClr val="A4A3A4"/>
+          </p15:clr>
+        </p15:guide>
+        <p15:guide id="2" pos="2880">
+          <p15:clr>
+            <a:srgbClr val="A4A3A4"/>
+          </p15:clr>
+        </p15:guide>
+      </p15:sldGuideLst>
+    </p:ext>
+  </p:extLst>
 </p:presentation>
 </file>
 
@@ -148,10 +167,9 @@
           <a:lstStyle/>
           <a:p>
             <a:r>
-              <a:rPr lang="ko-KR" altLang="en-US" smtClean="0"/>
+              <a:rPr lang="ko-KR" altLang="en-US"/>
               <a:t>마스터 제목 스타일 편집</a:t>
             </a:r>
-            <a:endParaRPr lang="ko-KR" altLang="en-US"/>
           </a:p>
         </p:txBody>
       </p:sp>
@@ -267,10 +285,9 @@
           </a:lstStyle>
           <a:p>
             <a:r>
-              <a:rPr lang="ko-KR" altLang="en-US" smtClean="0"/>
+              <a:rPr lang="ko-KR" altLang="en-US"/>
               <a:t>마스터 부제목 스타일 편집</a:t>
             </a:r>
-            <a:endParaRPr lang="ko-KR" altLang="en-US"/>
           </a:p>
         </p:txBody>
       </p:sp>
@@ -291,7 +308,7 @@
           <a:p>
             <a:fld id="{D21E51CB-147E-4D6C-88BD-6FFAAA29E6C0}" type="datetimeFigureOut">
               <a:rPr lang="ko-KR" altLang="en-US" smtClean="0"/>
-              <a:t>2021-11-30</a:t>
+              <a:t>2023-05-13</a:t>
             </a:fld>
             <a:endParaRPr lang="ko-KR" altLang="en-US"/>
           </a:p>
@@ -385,10 +402,9 @@
           <a:lstStyle/>
           <a:p>
             <a:r>
-              <a:rPr lang="ko-KR" altLang="en-US" smtClean="0"/>
+              <a:rPr lang="ko-KR" altLang="en-US"/>
               <a:t>마스터 제목 스타일 편집</a:t>
             </a:r>
-            <a:endParaRPr lang="ko-KR" altLang="en-US"/>
           </a:p>
         </p:txBody>
       </p:sp>
@@ -409,38 +425,37 @@
           <a:p>
             <a:pPr lvl="0"/>
             <a:r>
-              <a:rPr lang="ko-KR" altLang="en-US" smtClean="0"/>
+              <a:rPr lang="ko-KR" altLang="en-US"/>
               <a:t>마스터 텍스트 스타일을 편집합니다</a:t>
             </a:r>
           </a:p>
           <a:p>
             <a:pPr lvl="1"/>
             <a:r>
-              <a:rPr lang="ko-KR" altLang="en-US" smtClean="0"/>
+              <a:rPr lang="ko-KR" altLang="en-US"/>
               <a:t>둘째 수준</a:t>
             </a:r>
           </a:p>
           <a:p>
             <a:pPr lvl="2"/>
             <a:r>
-              <a:rPr lang="ko-KR" altLang="en-US" smtClean="0"/>
+              <a:rPr lang="ko-KR" altLang="en-US"/>
               <a:t>셋째 수준</a:t>
             </a:r>
           </a:p>
           <a:p>
             <a:pPr lvl="3"/>
             <a:r>
-              <a:rPr lang="ko-KR" altLang="en-US" smtClean="0"/>
+              <a:rPr lang="ko-KR" altLang="en-US"/>
               <a:t>넷째 수준</a:t>
             </a:r>
           </a:p>
           <a:p>
             <a:pPr lvl="4"/>
             <a:r>
-              <a:rPr lang="ko-KR" altLang="en-US" smtClean="0"/>
+              <a:rPr lang="ko-KR" altLang="en-US"/>
               <a:t>다섯째 수준</a:t>
             </a:r>
-            <a:endParaRPr lang="ko-KR" altLang="en-US"/>
           </a:p>
         </p:txBody>
       </p:sp>
@@ -461,7 +476,7 @@
           <a:p>
             <a:fld id="{D21E51CB-147E-4D6C-88BD-6FFAAA29E6C0}" type="datetimeFigureOut">
               <a:rPr lang="ko-KR" altLang="en-US" smtClean="0"/>
-              <a:t>2021-11-30</a:t>
+              <a:t>2023-05-13</a:t>
             </a:fld>
             <a:endParaRPr lang="ko-KR" altLang="en-US"/>
           </a:p>
@@ -560,10 +575,9 @@
           <a:lstStyle/>
           <a:p>
             <a:r>
-              <a:rPr lang="ko-KR" altLang="en-US" smtClean="0"/>
+              <a:rPr lang="ko-KR" altLang="en-US"/>
               <a:t>마스터 제목 스타일 편집</a:t>
             </a:r>
-            <a:endParaRPr lang="ko-KR" altLang="en-US"/>
           </a:p>
         </p:txBody>
       </p:sp>
@@ -589,38 +603,37 @@
           <a:p>
             <a:pPr lvl="0"/>
             <a:r>
-              <a:rPr lang="ko-KR" altLang="en-US" smtClean="0"/>
+              <a:rPr lang="ko-KR" altLang="en-US"/>
               <a:t>마스터 텍스트 스타일을 편집합니다</a:t>
             </a:r>
           </a:p>
           <a:p>
             <a:pPr lvl="1"/>
             <a:r>
-              <a:rPr lang="ko-KR" altLang="en-US" smtClean="0"/>
+              <a:rPr lang="ko-KR" altLang="en-US"/>
               <a:t>둘째 수준</a:t>
             </a:r>
           </a:p>
           <a:p>
             <a:pPr lvl="2"/>
             <a:r>
-              <a:rPr lang="ko-KR" altLang="en-US" smtClean="0"/>
+              <a:rPr lang="ko-KR" altLang="en-US"/>
               <a:t>셋째 수준</a:t>
             </a:r>
           </a:p>
           <a:p>
             <a:pPr lvl="3"/>
             <a:r>
-              <a:rPr lang="ko-KR" altLang="en-US" smtClean="0"/>
+              <a:rPr lang="ko-KR" altLang="en-US"/>
               <a:t>넷째 수준</a:t>
             </a:r>
           </a:p>
           <a:p>
             <a:pPr lvl="4"/>
             <a:r>
-              <a:rPr lang="ko-KR" altLang="en-US" smtClean="0"/>
+              <a:rPr lang="ko-KR" altLang="en-US"/>
               <a:t>다섯째 수준</a:t>
             </a:r>
-            <a:endParaRPr lang="ko-KR" altLang="en-US"/>
           </a:p>
         </p:txBody>
       </p:sp>
@@ -641,7 +654,7 @@
           <a:p>
             <a:fld id="{D21E51CB-147E-4D6C-88BD-6FFAAA29E6C0}" type="datetimeFigureOut">
               <a:rPr lang="ko-KR" altLang="en-US" smtClean="0"/>
-              <a:t>2021-11-30</a:t>
+              <a:t>2023-05-13</a:t>
             </a:fld>
             <a:endParaRPr lang="ko-KR" altLang="en-US"/>
           </a:p>
@@ -735,10 +748,9 @@
           <a:lstStyle/>
           <a:p>
             <a:r>
-              <a:rPr lang="ko-KR" altLang="en-US" smtClean="0"/>
+              <a:rPr lang="ko-KR" altLang="en-US"/>
               <a:t>마스터 제목 스타일 편집</a:t>
             </a:r>
-            <a:endParaRPr lang="ko-KR" altLang="en-US"/>
           </a:p>
         </p:txBody>
       </p:sp>
@@ -759,38 +771,37 @@
           <a:p>
             <a:pPr lvl="0"/>
             <a:r>
-              <a:rPr lang="ko-KR" altLang="en-US" smtClean="0"/>
+              <a:rPr lang="ko-KR" altLang="en-US"/>
               <a:t>마스터 텍스트 스타일을 편집합니다</a:t>
             </a:r>
           </a:p>
           <a:p>
             <a:pPr lvl="1"/>
             <a:r>
-              <a:rPr lang="ko-KR" altLang="en-US" smtClean="0"/>
+              <a:rPr lang="ko-KR" altLang="en-US"/>
               <a:t>둘째 수준</a:t>
             </a:r>
           </a:p>
           <a:p>
             <a:pPr lvl="2"/>
             <a:r>
-              <a:rPr lang="ko-KR" altLang="en-US" smtClean="0"/>
+              <a:rPr lang="ko-KR" altLang="en-US"/>
               <a:t>셋째 수준</a:t>
             </a:r>
           </a:p>
           <a:p>
             <a:pPr lvl="3"/>
             <a:r>
-              <a:rPr lang="ko-KR" altLang="en-US" smtClean="0"/>
+              <a:rPr lang="ko-KR" altLang="en-US"/>
               <a:t>넷째 수준</a:t>
             </a:r>
           </a:p>
           <a:p>
             <a:pPr lvl="4"/>
             <a:r>
-              <a:rPr lang="ko-KR" altLang="en-US" smtClean="0"/>
+              <a:rPr lang="ko-KR" altLang="en-US"/>
               <a:t>다섯째 수준</a:t>
             </a:r>
-            <a:endParaRPr lang="ko-KR" altLang="en-US"/>
           </a:p>
         </p:txBody>
       </p:sp>
@@ -811,7 +822,7 @@
           <a:p>
             <a:fld id="{D21E51CB-147E-4D6C-88BD-6FFAAA29E6C0}" type="datetimeFigureOut">
               <a:rPr lang="ko-KR" altLang="en-US" smtClean="0"/>
-              <a:t>2021-11-30</a:t>
+              <a:t>2023-05-13</a:t>
             </a:fld>
             <a:endParaRPr lang="ko-KR" altLang="en-US"/>
           </a:p>
@@ -914,10 +925,9 @@
           </a:lstStyle>
           <a:p>
             <a:r>
-              <a:rPr lang="ko-KR" altLang="en-US" smtClean="0"/>
+              <a:rPr lang="ko-KR" altLang="en-US"/>
               <a:t>마스터 제목 스타일 편집</a:t>
             </a:r>
-            <a:endParaRPr lang="ko-KR" altLang="en-US"/>
           </a:p>
         </p:txBody>
       </p:sp>
@@ -1034,7 +1044,7 @@
           <a:p>
             <a:pPr lvl="0"/>
             <a:r>
-              <a:rPr lang="ko-KR" altLang="en-US" smtClean="0"/>
+              <a:rPr lang="ko-KR" altLang="en-US"/>
               <a:t>마스터 텍스트 스타일을 편집합니다</a:t>
             </a:r>
           </a:p>
@@ -1057,7 +1067,7 @@
           <a:p>
             <a:fld id="{D21E51CB-147E-4D6C-88BD-6FFAAA29E6C0}" type="datetimeFigureOut">
               <a:rPr lang="ko-KR" altLang="en-US" smtClean="0"/>
-              <a:t>2021-11-30</a:t>
+              <a:t>2023-05-13</a:t>
             </a:fld>
             <a:endParaRPr lang="ko-KR" altLang="en-US"/>
           </a:p>
@@ -1151,10 +1161,9 @@
           <a:lstStyle/>
           <a:p>
             <a:r>
-              <a:rPr lang="ko-KR" altLang="en-US" smtClean="0"/>
+              <a:rPr lang="ko-KR" altLang="en-US"/>
               <a:t>마스터 제목 스타일 편집</a:t>
             </a:r>
-            <a:endParaRPr lang="ko-KR" altLang="en-US"/>
           </a:p>
         </p:txBody>
       </p:sp>
@@ -1208,38 +1217,37 @@
           <a:p>
             <a:pPr lvl="0"/>
             <a:r>
-              <a:rPr lang="ko-KR" altLang="en-US" smtClean="0"/>
+              <a:rPr lang="ko-KR" altLang="en-US"/>
               <a:t>마스터 텍스트 스타일을 편집합니다</a:t>
             </a:r>
           </a:p>
           <a:p>
             <a:pPr lvl="1"/>
             <a:r>
-              <a:rPr lang="ko-KR" altLang="en-US" smtClean="0"/>
+              <a:rPr lang="ko-KR" altLang="en-US"/>
               <a:t>둘째 수준</a:t>
             </a:r>
           </a:p>
           <a:p>
             <a:pPr lvl="2"/>
             <a:r>
-              <a:rPr lang="ko-KR" altLang="en-US" smtClean="0"/>
+              <a:rPr lang="ko-KR" altLang="en-US"/>
               <a:t>셋째 수준</a:t>
             </a:r>
           </a:p>
           <a:p>
             <a:pPr lvl="3"/>
             <a:r>
-              <a:rPr lang="ko-KR" altLang="en-US" smtClean="0"/>
+              <a:rPr lang="ko-KR" altLang="en-US"/>
               <a:t>넷째 수준</a:t>
             </a:r>
           </a:p>
           <a:p>
             <a:pPr lvl="4"/>
             <a:r>
-              <a:rPr lang="ko-KR" altLang="en-US" smtClean="0"/>
+              <a:rPr lang="ko-KR" altLang="en-US"/>
               <a:t>다섯째 수준</a:t>
             </a:r>
-            <a:endParaRPr lang="ko-KR" altLang="en-US"/>
           </a:p>
         </p:txBody>
       </p:sp>
@@ -1293,38 +1301,37 @@
           <a:p>
             <a:pPr lvl="0"/>
             <a:r>
-              <a:rPr lang="ko-KR" altLang="en-US" smtClean="0"/>
+              <a:rPr lang="ko-KR" altLang="en-US"/>
               <a:t>마스터 텍스트 스타일을 편집합니다</a:t>
             </a:r>
           </a:p>
           <a:p>
             <a:pPr lvl="1"/>
             <a:r>
-              <a:rPr lang="ko-KR" altLang="en-US" smtClean="0"/>
+              <a:rPr lang="ko-KR" altLang="en-US"/>
               <a:t>둘째 수준</a:t>
             </a:r>
           </a:p>
           <a:p>
             <a:pPr lvl="2"/>
             <a:r>
-              <a:rPr lang="ko-KR" altLang="en-US" smtClean="0"/>
+              <a:rPr lang="ko-KR" altLang="en-US"/>
               <a:t>셋째 수준</a:t>
             </a:r>
           </a:p>
           <a:p>
             <a:pPr lvl="3"/>
             <a:r>
-              <a:rPr lang="ko-KR" altLang="en-US" smtClean="0"/>
+              <a:rPr lang="ko-KR" altLang="en-US"/>
               <a:t>넷째 수준</a:t>
             </a:r>
           </a:p>
           <a:p>
             <a:pPr lvl="4"/>
             <a:r>
-              <a:rPr lang="ko-KR" altLang="en-US" smtClean="0"/>
+              <a:rPr lang="ko-KR" altLang="en-US"/>
               <a:t>다섯째 수준</a:t>
             </a:r>
-            <a:endParaRPr lang="ko-KR" altLang="en-US"/>
           </a:p>
         </p:txBody>
       </p:sp>
@@ -1345,7 +1352,7 @@
           <a:p>
             <a:fld id="{D21E51CB-147E-4D6C-88BD-6FFAAA29E6C0}" type="datetimeFigureOut">
               <a:rPr lang="ko-KR" altLang="en-US" smtClean="0"/>
-              <a:t>2021-11-30</a:t>
+              <a:t>2023-05-13</a:t>
             </a:fld>
             <a:endParaRPr lang="ko-KR" altLang="en-US"/>
           </a:p>
@@ -1443,10 +1450,9 @@
           </a:lstStyle>
           <a:p>
             <a:r>
-              <a:rPr lang="ko-KR" altLang="en-US" smtClean="0"/>
+              <a:rPr lang="ko-KR" altLang="en-US"/>
               <a:t>마스터 제목 스타일 편집</a:t>
             </a:r>
-            <a:endParaRPr lang="ko-KR" altLang="en-US"/>
           </a:p>
         </p:txBody>
       </p:sp>
@@ -1509,7 +1515,7 @@
           <a:p>
             <a:pPr lvl="0"/>
             <a:r>
-              <a:rPr lang="ko-KR" altLang="en-US" smtClean="0"/>
+              <a:rPr lang="ko-KR" altLang="en-US"/>
               <a:t>마스터 텍스트 스타일을 편집합니다</a:t>
             </a:r>
           </a:p>
@@ -1565,38 +1571,37 @@
           <a:p>
             <a:pPr lvl="0"/>
             <a:r>
-              <a:rPr lang="ko-KR" altLang="en-US" smtClean="0"/>
+              <a:rPr lang="ko-KR" altLang="en-US"/>
               <a:t>마스터 텍스트 스타일을 편집합니다</a:t>
             </a:r>
           </a:p>
           <a:p>
             <a:pPr lvl="1"/>
             <a:r>
-              <a:rPr lang="ko-KR" altLang="en-US" smtClean="0"/>
+              <a:rPr lang="ko-KR" altLang="en-US"/>
               <a:t>둘째 수준</a:t>
             </a:r>
           </a:p>
           <a:p>
             <a:pPr lvl="2"/>
             <a:r>
-              <a:rPr lang="ko-KR" altLang="en-US" smtClean="0"/>
+              <a:rPr lang="ko-KR" altLang="en-US"/>
               <a:t>셋째 수준</a:t>
             </a:r>
           </a:p>
           <a:p>
             <a:pPr lvl="3"/>
             <a:r>
-              <a:rPr lang="ko-KR" altLang="en-US" smtClean="0"/>
+              <a:rPr lang="ko-KR" altLang="en-US"/>
               <a:t>넷째 수준</a:t>
             </a:r>
           </a:p>
           <a:p>
             <a:pPr lvl="4"/>
             <a:r>
-              <a:rPr lang="ko-KR" altLang="en-US" smtClean="0"/>
+              <a:rPr lang="ko-KR" altLang="en-US"/>
               <a:t>다섯째 수준</a:t>
             </a:r>
-            <a:endParaRPr lang="ko-KR" altLang="en-US"/>
           </a:p>
         </p:txBody>
       </p:sp>
@@ -1659,7 +1664,7 @@
           <a:p>
             <a:pPr lvl="0"/>
             <a:r>
-              <a:rPr lang="ko-KR" altLang="en-US" smtClean="0"/>
+              <a:rPr lang="ko-KR" altLang="en-US"/>
               <a:t>마스터 텍스트 스타일을 편집합니다</a:t>
             </a:r>
           </a:p>
@@ -1715,38 +1720,37 @@
           <a:p>
             <a:pPr lvl="0"/>
             <a:r>
-              <a:rPr lang="ko-KR" altLang="en-US" smtClean="0"/>
+              <a:rPr lang="ko-KR" altLang="en-US"/>
               <a:t>마스터 텍스트 스타일을 편집합니다</a:t>
             </a:r>
           </a:p>
           <a:p>
             <a:pPr lvl="1"/>
             <a:r>
-              <a:rPr lang="ko-KR" altLang="en-US" smtClean="0"/>
+              <a:rPr lang="ko-KR" altLang="en-US"/>
               <a:t>둘째 수준</a:t>
             </a:r>
           </a:p>
           <a:p>
             <a:pPr lvl="2"/>
             <a:r>
-              <a:rPr lang="ko-KR" altLang="en-US" smtClean="0"/>
+              <a:rPr lang="ko-KR" altLang="en-US"/>
               <a:t>셋째 수준</a:t>
             </a:r>
           </a:p>
           <a:p>
             <a:pPr lvl="3"/>
             <a:r>
-              <a:rPr lang="ko-KR" altLang="en-US" smtClean="0"/>
+              <a:rPr lang="ko-KR" altLang="en-US"/>
               <a:t>넷째 수준</a:t>
             </a:r>
           </a:p>
           <a:p>
             <a:pPr lvl="4"/>
             <a:r>
-              <a:rPr lang="ko-KR" altLang="en-US" smtClean="0"/>
+              <a:rPr lang="ko-KR" altLang="en-US"/>
               <a:t>다섯째 수준</a:t>
             </a:r>
-            <a:endParaRPr lang="ko-KR" altLang="en-US"/>
           </a:p>
         </p:txBody>
       </p:sp>
@@ -1767,7 +1771,7 @@
           <a:p>
             <a:fld id="{D21E51CB-147E-4D6C-88BD-6FFAAA29E6C0}" type="datetimeFigureOut">
               <a:rPr lang="ko-KR" altLang="en-US" smtClean="0"/>
-              <a:t>2021-11-30</a:t>
+              <a:t>2023-05-13</a:t>
             </a:fld>
             <a:endParaRPr lang="ko-KR" altLang="en-US"/>
           </a:p>
@@ -1861,10 +1865,9 @@
           <a:lstStyle/>
           <a:p>
             <a:r>
-              <a:rPr lang="ko-KR" altLang="en-US" smtClean="0"/>
+              <a:rPr lang="ko-KR" altLang="en-US"/>
               <a:t>마스터 제목 스타일 편집</a:t>
             </a:r>
-            <a:endParaRPr lang="ko-KR" altLang="en-US"/>
           </a:p>
         </p:txBody>
       </p:sp>
@@ -1885,7 +1888,7 @@
           <a:p>
             <a:fld id="{D21E51CB-147E-4D6C-88BD-6FFAAA29E6C0}" type="datetimeFigureOut">
               <a:rPr lang="ko-KR" altLang="en-US" smtClean="0"/>
-              <a:t>2021-11-30</a:t>
+              <a:t>2023-05-13</a:t>
             </a:fld>
             <a:endParaRPr lang="ko-KR" altLang="en-US"/>
           </a:p>
@@ -1980,7 +1983,7 @@
           <a:p>
             <a:fld id="{D21E51CB-147E-4D6C-88BD-6FFAAA29E6C0}" type="datetimeFigureOut">
               <a:rPr lang="ko-KR" altLang="en-US" smtClean="0"/>
-              <a:t>2021-11-30</a:t>
+              <a:t>2023-05-13</a:t>
             </a:fld>
             <a:endParaRPr lang="ko-KR" altLang="en-US"/>
           </a:p>
@@ -2083,10 +2086,9 @@
           </a:lstStyle>
           <a:p>
             <a:r>
-              <a:rPr lang="ko-KR" altLang="en-US" smtClean="0"/>
+              <a:rPr lang="ko-KR" altLang="en-US"/>
               <a:t>마스터 제목 스타일 편집</a:t>
             </a:r>
-            <a:endParaRPr lang="ko-KR" altLang="en-US"/>
           </a:p>
         </p:txBody>
       </p:sp>
@@ -2140,38 +2142,37 @@
           <a:p>
             <a:pPr lvl="0"/>
             <a:r>
-              <a:rPr lang="ko-KR" altLang="en-US" smtClean="0"/>
+              <a:rPr lang="ko-KR" altLang="en-US"/>
               <a:t>마스터 텍스트 스타일을 편집합니다</a:t>
             </a:r>
           </a:p>
           <a:p>
             <a:pPr lvl="1"/>
             <a:r>
-              <a:rPr lang="ko-KR" altLang="en-US" smtClean="0"/>
+              <a:rPr lang="ko-KR" altLang="en-US"/>
               <a:t>둘째 수준</a:t>
             </a:r>
           </a:p>
           <a:p>
             <a:pPr lvl="2"/>
             <a:r>
-              <a:rPr lang="ko-KR" altLang="en-US" smtClean="0"/>
+              <a:rPr lang="ko-KR" altLang="en-US"/>
               <a:t>셋째 수준</a:t>
             </a:r>
           </a:p>
           <a:p>
             <a:pPr lvl="3"/>
             <a:r>
-              <a:rPr lang="ko-KR" altLang="en-US" smtClean="0"/>
+              <a:rPr lang="ko-KR" altLang="en-US"/>
               <a:t>넷째 수준</a:t>
             </a:r>
           </a:p>
           <a:p>
             <a:pPr lvl="4"/>
             <a:r>
-              <a:rPr lang="ko-KR" altLang="en-US" smtClean="0"/>
+              <a:rPr lang="ko-KR" altLang="en-US"/>
               <a:t>다섯째 수준</a:t>
             </a:r>
-            <a:endParaRPr lang="ko-KR" altLang="en-US"/>
           </a:p>
         </p:txBody>
       </p:sp>
@@ -2234,7 +2235,7 @@
           <a:p>
             <a:pPr lvl="0"/>
             <a:r>
-              <a:rPr lang="ko-KR" altLang="en-US" smtClean="0"/>
+              <a:rPr lang="ko-KR" altLang="en-US"/>
               <a:t>마스터 텍스트 스타일을 편집합니다</a:t>
             </a:r>
           </a:p>
@@ -2257,7 +2258,7 @@
           <a:p>
             <a:fld id="{D21E51CB-147E-4D6C-88BD-6FFAAA29E6C0}" type="datetimeFigureOut">
               <a:rPr lang="ko-KR" altLang="en-US" smtClean="0"/>
-              <a:t>2021-11-30</a:t>
+              <a:t>2023-05-13</a:t>
             </a:fld>
             <a:endParaRPr lang="ko-KR" altLang="en-US"/>
           </a:p>
@@ -2360,10 +2361,9 @@
           </a:lstStyle>
           <a:p>
             <a:r>
-              <a:rPr lang="ko-KR" altLang="en-US" smtClean="0"/>
+              <a:rPr lang="ko-KR" altLang="en-US"/>
               <a:t>마스터 제목 스타일 편집</a:t>
             </a:r>
-            <a:endParaRPr lang="ko-KR" altLang="en-US"/>
           </a:p>
         </p:txBody>
       </p:sp>
@@ -2487,7 +2487,7 @@
           <a:p>
             <a:pPr lvl="0"/>
             <a:r>
-              <a:rPr lang="ko-KR" altLang="en-US" smtClean="0"/>
+              <a:rPr lang="ko-KR" altLang="en-US"/>
               <a:t>마스터 텍스트 스타일을 편집합니다</a:t>
             </a:r>
           </a:p>
@@ -2510,7 +2510,7 @@
           <a:p>
             <a:fld id="{D21E51CB-147E-4D6C-88BD-6FFAAA29E6C0}" type="datetimeFigureOut">
               <a:rPr lang="ko-KR" altLang="en-US" smtClean="0"/>
-              <a:t>2021-11-30</a:t>
+              <a:t>2023-05-13</a:t>
             </a:fld>
             <a:endParaRPr lang="ko-KR" altLang="en-US"/>
           </a:p>
@@ -2619,10 +2619,9 @@
           <a:lstStyle/>
           <a:p>
             <a:r>
-              <a:rPr lang="ko-KR" altLang="en-US" smtClean="0"/>
+              <a:rPr lang="ko-KR" altLang="en-US"/>
               <a:t>마스터 제목 스타일 편집</a:t>
             </a:r>
-            <a:endParaRPr lang="ko-KR" altLang="en-US"/>
           </a:p>
         </p:txBody>
       </p:sp>
@@ -2653,38 +2652,37 @@
           <a:p>
             <a:pPr lvl="0"/>
             <a:r>
-              <a:rPr lang="ko-KR" altLang="en-US" smtClean="0"/>
+              <a:rPr lang="ko-KR" altLang="en-US"/>
               <a:t>마스터 텍스트 스타일을 편집합니다</a:t>
             </a:r>
           </a:p>
           <a:p>
             <a:pPr lvl="1"/>
             <a:r>
-              <a:rPr lang="ko-KR" altLang="en-US" smtClean="0"/>
+              <a:rPr lang="ko-KR" altLang="en-US"/>
               <a:t>둘째 수준</a:t>
             </a:r>
           </a:p>
           <a:p>
             <a:pPr lvl="2"/>
             <a:r>
-              <a:rPr lang="ko-KR" altLang="en-US" smtClean="0"/>
+              <a:rPr lang="ko-KR" altLang="en-US"/>
               <a:t>셋째 수준</a:t>
             </a:r>
           </a:p>
           <a:p>
             <a:pPr lvl="3"/>
             <a:r>
-              <a:rPr lang="ko-KR" altLang="en-US" smtClean="0"/>
+              <a:rPr lang="ko-KR" altLang="en-US"/>
               <a:t>넷째 수준</a:t>
             </a:r>
           </a:p>
           <a:p>
             <a:pPr lvl="4"/>
             <a:r>
-              <a:rPr lang="ko-KR" altLang="en-US" smtClean="0"/>
+              <a:rPr lang="ko-KR" altLang="en-US"/>
               <a:t>다섯째 수준</a:t>
             </a:r>
-            <a:endParaRPr lang="ko-KR" altLang="en-US"/>
           </a:p>
         </p:txBody>
       </p:sp>
@@ -2723,7 +2721,7 @@
           <a:p>
             <a:fld id="{D21E51CB-147E-4D6C-88BD-6FFAAA29E6C0}" type="datetimeFigureOut">
               <a:rPr lang="ko-KR" altLang="en-US" smtClean="0"/>
-              <a:t>2021-11-30</a:t>
+              <a:t>2023-05-13</a:t>
             </a:fld>
             <a:endParaRPr lang="ko-KR" altLang="en-US"/>
           </a:p>
@@ -3194,6 +3192,66 @@
       </p:grpSpPr>
       <p:pic>
         <p:nvPicPr>
+          <p:cNvPr id="6" name="Picture 5">
+            <a:extLst>
+              <a:ext uri="{FF2B5EF4-FFF2-40B4-BE49-F238E27FC236}">
+                <a16:creationId xmlns:a16="http://schemas.microsoft.com/office/drawing/2014/main" id="{642D536A-9C28-F320-5349-E6E2B4D6ADC9}"/>
+              </a:ext>
+            </a:extLst>
+          </p:cNvPr>
+          <p:cNvPicPr>
+            <a:picLocks noChangeAspect="1"/>
+          </p:cNvPicPr>
+          <p:nvPr/>
+        </p:nvPicPr>
+        <p:blipFill>
+          <a:blip r:embed="rId2"/>
+          <a:stretch>
+            <a:fillRect/>
+          </a:stretch>
+        </p:blipFill>
+        <p:spPr>
+          <a:xfrm>
+            <a:off x="1917700" y="2571750"/>
+            <a:ext cx="5308600" cy="1714500"/>
+          </a:xfrm>
+          <a:prstGeom prst="rect">
+            <a:avLst/>
+          </a:prstGeom>
+        </p:spPr>
+      </p:pic>
+    </p:spTree>
+    <p:extLst>
+      <p:ext uri="{BB962C8B-B14F-4D97-AF65-F5344CB8AC3E}">
+        <p14:creationId xmlns:p14="http://schemas.microsoft.com/office/powerpoint/2010/main" val="4138559197"/>
+      </p:ext>
+    </p:extLst>
+  </p:cSld>
+  <p:clrMapOvr>
+    <a:masterClrMapping/>
+  </p:clrMapOvr>
+</p:sld>
+</file>
+
+<file path=ppt/slides/slide3.xml><?xml version="1.0" encoding="utf-8"?>
+<p:sld xmlns:a="http://schemas.openxmlformats.org/drawingml/2006/main" xmlns:r="http://schemas.openxmlformats.org/officeDocument/2006/relationships" xmlns:p="http://schemas.openxmlformats.org/presentationml/2006/main">
+  <p:cSld>
+    <p:spTree>
+      <p:nvGrpSpPr>
+        <p:cNvPr id="1" name=""/>
+        <p:cNvGrpSpPr/>
+        <p:nvPr/>
+      </p:nvGrpSpPr>
+      <p:grpSpPr>
+        <a:xfrm>
+          <a:off x="0" y="0"/>
+          <a:ext cx="0" cy="0"/>
+          <a:chOff x="0" y="0"/>
+          <a:chExt cx="0" cy="0"/>
+        </a:xfrm>
+      </p:grpSpPr>
+      <p:pic>
+        <p:nvPicPr>
           <p:cNvPr id="2049" name="Picture 1"/>
           <p:cNvPicPr>
             <a:picLocks noChangeAspect="1" noChangeArrowheads="1"/>
@@ -3269,7 +3327,67 @@
 </p:sld>
 </file>
 
-<file path=ppt/slides/slide3.xml><?xml version="1.0" encoding="utf-8"?>
+<file path=ppt/slides/slide4.xml><?xml version="1.0" encoding="utf-8"?>
+<p:sld xmlns:a="http://schemas.openxmlformats.org/drawingml/2006/main" xmlns:r="http://schemas.openxmlformats.org/officeDocument/2006/relationships" xmlns:p="http://schemas.openxmlformats.org/presentationml/2006/main">
+  <p:cSld>
+    <p:spTree>
+      <p:nvGrpSpPr>
+        <p:cNvPr id="1" name=""/>
+        <p:cNvGrpSpPr/>
+        <p:nvPr/>
+      </p:nvGrpSpPr>
+      <p:grpSpPr>
+        <a:xfrm>
+          <a:off x="0" y="0"/>
+          <a:ext cx="0" cy="0"/>
+          <a:chOff x="0" y="0"/>
+          <a:chExt cx="0" cy="0"/>
+        </a:xfrm>
+      </p:grpSpPr>
+      <p:pic>
+        <p:nvPicPr>
+          <p:cNvPr id="4" name="Picture 3">
+            <a:extLst>
+              <a:ext uri="{FF2B5EF4-FFF2-40B4-BE49-F238E27FC236}">
+                <a16:creationId xmlns:a16="http://schemas.microsoft.com/office/drawing/2014/main" id="{8D46145B-879D-D5A1-B1C0-3717025AD28C}"/>
+              </a:ext>
+            </a:extLst>
+          </p:cNvPr>
+          <p:cNvPicPr>
+            <a:picLocks noChangeAspect="1"/>
+          </p:cNvPicPr>
+          <p:nvPr/>
+        </p:nvPicPr>
+        <p:blipFill>
+          <a:blip r:embed="rId2"/>
+          <a:stretch>
+            <a:fillRect/>
+          </a:stretch>
+        </p:blipFill>
+        <p:spPr>
+          <a:xfrm>
+            <a:off x="0" y="521931"/>
+            <a:ext cx="9144000" cy="5814138"/>
+          </a:xfrm>
+          <a:prstGeom prst="rect">
+            <a:avLst/>
+          </a:prstGeom>
+        </p:spPr>
+      </p:pic>
+    </p:spTree>
+    <p:extLst>
+      <p:ext uri="{BB962C8B-B14F-4D97-AF65-F5344CB8AC3E}">
+        <p14:creationId xmlns:p14="http://schemas.microsoft.com/office/powerpoint/2010/main" val="2046984551"/>
+      </p:ext>
+    </p:extLst>
+  </p:cSld>
+  <p:clrMapOvr>
+    <a:masterClrMapping/>
+  </p:clrMapOvr>
+</p:sld>
+</file>
+
+<file path=ppt/slides/slide5.xml><?xml version="1.0" encoding="utf-8"?>
 <p:sld xmlns:a="http://schemas.openxmlformats.org/drawingml/2006/main" xmlns:r="http://schemas.openxmlformats.org/officeDocument/2006/relationships" xmlns:p="http://schemas.openxmlformats.org/presentationml/2006/main">
   <p:cSld>
     <p:spTree>
@@ -3363,7 +3481,177 @@
 </p:sld>
 </file>
 
-<file path=ppt/slides/slide4.xml><?xml version="1.0" encoding="utf-8"?>
+<file path=ppt/slides/slide6.xml><?xml version="1.0" encoding="utf-8"?>
+<p:sld xmlns:a="http://schemas.openxmlformats.org/drawingml/2006/main" xmlns:r="http://schemas.openxmlformats.org/officeDocument/2006/relationships" xmlns:p="http://schemas.openxmlformats.org/presentationml/2006/main">
+  <p:cSld>
+    <p:spTree>
+      <p:nvGrpSpPr>
+        <p:cNvPr id="1" name=""/>
+        <p:cNvGrpSpPr/>
+        <p:nvPr/>
+      </p:nvGrpSpPr>
+      <p:grpSpPr>
+        <a:xfrm>
+          <a:off x="0" y="0"/>
+          <a:ext cx="0" cy="0"/>
+          <a:chOff x="0" y="0"/>
+          <a:chExt cx="0" cy="0"/>
+        </a:xfrm>
+      </p:grpSpPr>
+      <p:pic>
+        <p:nvPicPr>
+          <p:cNvPr id="2" name="Picture 2"/>
+          <p:cNvPicPr>
+            <a:picLocks noChangeAspect="1" noChangeArrowheads="1"/>
+          </p:cNvPicPr>
+          <p:nvPr/>
+        </p:nvPicPr>
+        <p:blipFill>
+          <a:blip r:embed="rId2">
+            <a:extLst>
+              <a:ext uri="{28A0092B-C50C-407E-A947-70E740481C1C}">
+                <a14:useLocalDpi xmlns:a14="http://schemas.microsoft.com/office/drawing/2010/main" val="0"/>
+              </a:ext>
+            </a:extLst>
+          </a:blip>
+          <a:srcRect/>
+          <a:stretch>
+            <a:fillRect/>
+          </a:stretch>
+        </p:blipFill>
+        <p:spPr bwMode="auto">
+          <a:xfrm>
+            <a:off x="-185738" y="1433513"/>
+            <a:ext cx="9515476" cy="3990975"/>
+          </a:xfrm>
+          <a:prstGeom prst="rect">
+            <a:avLst/>
+          </a:prstGeom>
+          <a:noFill/>
+          <a:ln>
+            <a:noFill/>
+          </a:ln>
+          <a:effectLst/>
+          <a:extLst>
+            <a:ext uri="{909E8E84-426E-40DD-AFC4-6F175D3DCCD1}">
+              <a14:hiddenFill xmlns:a14="http://schemas.microsoft.com/office/drawing/2010/main">
+                <a:solidFill>
+                  <a:schemeClr val="accent1"/>
+                </a:solidFill>
+              </a14:hiddenFill>
+            </a:ext>
+            <a:ext uri="{91240B29-F687-4F45-9708-019B960494DF}">
+              <a14:hiddenLine xmlns:a14="http://schemas.microsoft.com/office/drawing/2010/main" w="9525">
+                <a:solidFill>
+                  <a:schemeClr val="tx1"/>
+                </a:solidFill>
+                <a:miter lim="800000"/>
+                <a:headEnd/>
+                <a:tailEnd/>
+              </a14:hiddenLine>
+            </a:ext>
+            <a:ext uri="{AF507438-7753-43E0-B8FC-AC1667EBCBE1}">
+              <a14:hiddenEffects xmlns:a14="http://schemas.microsoft.com/office/drawing/2010/main">
+                <a:effectLst>
+                  <a:outerShdw dist="35921" dir="2700000" algn="ctr" rotWithShape="0">
+                    <a:schemeClr val="bg2"/>
+                  </a:outerShdw>
+                </a:effectLst>
+              </a14:hiddenEffects>
+            </a:ext>
+          </a:extLst>
+        </p:spPr>
+      </p:pic>
+      <p:sp>
+        <p:nvSpPr>
+          <p:cNvPr id="3" name="TextBox 2">
+            <a:extLst>
+              <a:ext uri="{FF2B5EF4-FFF2-40B4-BE49-F238E27FC236}">
+                <a16:creationId xmlns:a16="http://schemas.microsoft.com/office/drawing/2014/main" id="{2B6C00E4-0CF6-7CF8-FCBA-E8CE97ED98C4}"/>
+              </a:ext>
+            </a:extLst>
+          </p:cNvPr>
+          <p:cNvSpPr txBox="1"/>
+          <p:nvPr/>
+        </p:nvSpPr>
+        <p:spPr>
+          <a:xfrm>
+            <a:off x="2224313" y="1331476"/>
+            <a:ext cx="5083991" cy="369332"/>
+          </a:xfrm>
+          <a:prstGeom prst="rect">
+            <a:avLst/>
+          </a:prstGeom>
+          <a:solidFill>
+            <a:schemeClr val="bg1"/>
+          </a:solidFill>
+        </p:spPr>
+        <p:txBody>
+          <a:bodyPr wrap="square" rtlCol="0">
+            <a:spAutoFit/>
+          </a:bodyPr>
+          <a:lstStyle/>
+          <a:p>
+            <a:pPr algn="ctr"/>
+            <a:r>
+              <a:rPr lang="en-US" dirty="0"/>
+              <a:t>Distribution of W for all possible combinations</a:t>
+            </a:r>
+          </a:p>
+        </p:txBody>
+      </p:sp>
+      <p:sp>
+        <p:nvSpPr>
+          <p:cNvPr id="4" name="TextBox 3">
+            <a:extLst>
+              <a:ext uri="{FF2B5EF4-FFF2-40B4-BE49-F238E27FC236}">
+                <a16:creationId xmlns:a16="http://schemas.microsoft.com/office/drawing/2014/main" id="{B7B2D9A9-AA19-687A-1165-3F4C582C6FD3}"/>
+              </a:ext>
+            </a:extLst>
+          </p:cNvPr>
+          <p:cNvSpPr txBox="1"/>
+          <p:nvPr/>
+        </p:nvSpPr>
+        <p:spPr>
+          <a:xfrm rot="16200000">
+            <a:off x="23237" y="3295027"/>
+            <a:ext cx="1338773" cy="369332"/>
+          </a:xfrm>
+          <a:prstGeom prst="rect">
+            <a:avLst/>
+          </a:prstGeom>
+          <a:solidFill>
+            <a:schemeClr val="bg1"/>
+          </a:solidFill>
+        </p:spPr>
+        <p:txBody>
+          <a:bodyPr wrap="square" rtlCol="0">
+            <a:spAutoFit/>
+          </a:bodyPr>
+          <a:lstStyle/>
+          <a:p>
+            <a:pPr algn="ctr"/>
+            <a:r>
+              <a:rPr lang="en-US" dirty="0"/>
+              <a:t>frequency</a:t>
+            </a:r>
+          </a:p>
+        </p:txBody>
+      </p:sp>
+    </p:spTree>
+    <p:extLst>
+      <p:ext uri="{BB962C8B-B14F-4D97-AF65-F5344CB8AC3E}">
+        <p14:creationId xmlns:p14="http://schemas.microsoft.com/office/powerpoint/2010/main" val="3679194452"/>
+      </p:ext>
+    </p:extLst>
+  </p:cSld>
+  <p:clrMapOvr>
+    <a:masterClrMapping/>
+  </p:clrMapOvr>
+</p:sld>
+</file>
+
+<file path=ppt/slides/slide7.xml><?xml version="1.0" encoding="utf-8"?>
 <p:sld xmlns:a="http://schemas.openxmlformats.org/drawingml/2006/main" xmlns:r="http://schemas.openxmlformats.org/officeDocument/2006/relationships" xmlns:p="http://schemas.openxmlformats.org/presentationml/2006/main">
   <p:cSld>
     <p:spTree>
@@ -3403,9 +3691,27 @@
             <a:tbl>
               <a:tblPr/>
               <a:tblGrid>
-                <a:gridCol w="684973"/>
-                <a:gridCol w="1344576"/>
-                <a:gridCol w="599351"/>
+                <a:gridCol w="684973">
+                  <a:extLst>
+                    <a:ext uri="{9D8B030D-6E8A-4147-A177-3AD203B41FA5}">
+                      <a16:colId xmlns:a16="http://schemas.microsoft.com/office/drawing/2014/main" val="20000"/>
+                    </a:ext>
+                  </a:extLst>
+                </a:gridCol>
+                <a:gridCol w="1344576">
+                  <a:extLst>
+                    <a:ext uri="{9D8B030D-6E8A-4147-A177-3AD203B41FA5}">
+                      <a16:colId xmlns:a16="http://schemas.microsoft.com/office/drawing/2014/main" val="20001"/>
+                    </a:ext>
+                  </a:extLst>
+                </a:gridCol>
+                <a:gridCol w="599351">
+                  <a:extLst>
+                    <a:ext uri="{9D8B030D-6E8A-4147-A177-3AD203B41FA5}">
+                      <a16:colId xmlns:a16="http://schemas.microsoft.com/office/drawing/2014/main" val="20002"/>
+                    </a:ext>
+                  </a:extLst>
+                </a:gridCol>
               </a:tblGrid>
               <a:tr h="219075">
                 <a:tc>
@@ -3588,6 +3894,11 @@
                     </a:solidFill>
                   </a:tcPr>
                 </a:tc>
+                <a:extLst>
+                  <a:ext uri="{0D108BD9-81ED-4DB2-BD59-A6C34878D82A}">
+                    <a16:rowId xmlns:a16="http://schemas.microsoft.com/office/drawing/2014/main" val="10000"/>
+                  </a:ext>
+                </a:extLst>
               </a:tr>
               <a:tr h="209550">
                 <a:tc>
@@ -3761,6 +4072,11 @@
                     </a:lnB>
                   </a:tcPr>
                 </a:tc>
+                <a:extLst>
+                  <a:ext uri="{0D108BD9-81ED-4DB2-BD59-A6C34878D82A}">
+                    <a16:rowId xmlns:a16="http://schemas.microsoft.com/office/drawing/2014/main" val="10001"/>
+                  </a:ext>
+                </a:extLst>
               </a:tr>
               <a:tr h="209550">
                 <a:tc rowSpan="2">
@@ -3934,6 +4250,11 @@
                     </a:lnB>
                   </a:tcPr>
                 </a:tc>
+                <a:extLst>
+                  <a:ext uri="{0D108BD9-81ED-4DB2-BD59-A6C34878D82A}">
+                    <a16:rowId xmlns:a16="http://schemas.microsoft.com/office/drawing/2014/main" val="10002"/>
+                  </a:ext>
+                </a:extLst>
               </a:tr>
               <a:tr h="209550">
                 <a:tc vMerge="1">
@@ -4061,6 +4382,11 @@
                     </a:lnB>
                   </a:tcPr>
                 </a:tc>
+                <a:extLst>
+                  <a:ext uri="{0D108BD9-81ED-4DB2-BD59-A6C34878D82A}">
+                    <a16:rowId xmlns:a16="http://schemas.microsoft.com/office/drawing/2014/main" val="10003"/>
+                  </a:ext>
+                </a:extLst>
               </a:tr>
               <a:tr h="209550">
                 <a:tc>
@@ -4234,6 +4560,11 @@
                     </a:lnB>
                   </a:tcPr>
                 </a:tc>
+                <a:extLst>
+                  <a:ext uri="{0D108BD9-81ED-4DB2-BD59-A6C34878D82A}">
+                    <a16:rowId xmlns:a16="http://schemas.microsoft.com/office/drawing/2014/main" val="10004"/>
+                  </a:ext>
+                </a:extLst>
               </a:tr>
               <a:tr h="209550">
                 <a:tc rowSpan="3">
@@ -4407,6 +4738,11 @@
                     </a:lnB>
                   </a:tcPr>
                 </a:tc>
+                <a:extLst>
+                  <a:ext uri="{0D108BD9-81ED-4DB2-BD59-A6C34878D82A}">
+                    <a16:rowId xmlns:a16="http://schemas.microsoft.com/office/drawing/2014/main" val="10005"/>
+                  </a:ext>
+                </a:extLst>
               </a:tr>
               <a:tr h="209550">
                 <a:tc vMerge="1">
@@ -4534,6 +4870,11 @@
                     </a:lnB>
                   </a:tcPr>
                 </a:tc>
+                <a:extLst>
+                  <a:ext uri="{0D108BD9-81ED-4DB2-BD59-A6C34878D82A}">
+                    <a16:rowId xmlns:a16="http://schemas.microsoft.com/office/drawing/2014/main" val="10006"/>
+                  </a:ext>
+                </a:extLst>
               </a:tr>
               <a:tr h="219075">
                 <a:tc vMerge="1">
@@ -4661,6 +5002,11 @@
                     </a:lnB>
                   </a:tcPr>
                 </a:tc>
+                <a:extLst>
+                  <a:ext uri="{0D108BD9-81ED-4DB2-BD59-A6C34878D82A}">
+                    <a16:rowId xmlns:a16="http://schemas.microsoft.com/office/drawing/2014/main" val="10007"/>
+                  </a:ext>
+                </a:extLst>
               </a:tr>
             </a:tbl>
           </a:graphicData>
